--- a/solutions/azure/cloud/enterprise-landing-zone/delivery/closeout-presentation.pptx
+++ b/solutions/azure/cloud/enterprise-landing-zone/delivery/closeout-presentation.pptx
@@ -14,36 +14,6 @@
     <p:sldId id="259" r:id="rId5"/>
     <p:sldId id="260" r:id="rId4"/>
     <p:sldId id="261" r:id="rId3"/>
-    <p:sldId id="262" r:id="rId2"/>
-    <p:sldId id="263" r:id="rId14"/>
-    <p:sldId id="264" r:id="rId15"/>
-    <p:sldId id="265" r:id="rId16"/>
-    <p:sldId id="266" r:id="rId17"/>
-    <p:sldId id="267" r:id="rId18"/>
-    <p:sldId id="268" r:id="rId19"/>
-    <p:sldId id="269" r:id="rId20"/>
-    <p:sldId id="270" r:id="rId21"/>
-    <p:sldId id="271" r:id="rId22"/>
-    <p:sldId id="272" r:id="rId23"/>
-    <p:sldId id="273" r:id="rId24"/>
-    <p:sldId id="274" r:id="rId25"/>
-    <p:sldId id="275" r:id="rId26"/>
-    <p:sldId id="276" r:id="rId27"/>
-    <p:sldId id="277" r:id="rId28"/>
-    <p:sldId id="278" r:id="rId29"/>
-    <p:sldId id="279" r:id="rId30"/>
-    <p:sldId id="280" r:id="rId31"/>
-    <p:sldId id="281" r:id="rId32"/>
-    <p:sldId id="282" r:id="rId33"/>
-    <p:sldId id="283" r:id="rId34"/>
-    <p:sldId id="284" r:id="rId35"/>
-    <p:sldId id="285" r:id="rId36"/>
-    <p:sldId id="286" r:id="rId37"/>
-    <p:sldId id="287" r:id="rId38"/>
-    <p:sldId id="288" r:id="rId39"/>
-    <p:sldId id="289" r:id="rId40"/>
-    <p:sldId id="290" r:id="rId41"/>
-    <p:sldId id="291" r:id="rId42"/>
   </p:sldIdLst>
   <p:sldSz cx="9144000" cy="5143500" type="screen16x9"/>
   <p:notesSz cx="5143500" cy="9144000"/>
@@ -3260,7 +3230,7 @@
 </p:sld>
 </file>
 
-<file path=ppt/slides/slide10.xml><?xml version="1.0" encoding="utf-8"?>
+<file path=ppt/slides/slide2.xml><?xml version="1.0" encoding="utf-8"?>
 <p:sld xmlns:a="http://schemas.openxmlformats.org/drawingml/2006/main" xmlns:p="http://schemas.openxmlformats.org/presentationml/2006/main" xmlns:r="http://schemas.openxmlformats.org/officeDocument/2006/relationships">
   <p:cSld>
     <p:spTree>
@@ -3285,244 +3255,10 @@
           <a:bodyPr/>
           <a:lstStyle/>
           <a:p>
-            <a:r>
-              <a:t>**Slide 10: Go-Live Results**</a:t>
-            </a:r>
-          </a:p>
-        </p:txBody>
-      </p:sp>
-      <p:sp>
-        <p:nvSpPr>
-          <p:cNvPr id="3" name="Picture Placeholder 2"/>
-          <p:cNvSpPr>
-            <a:spLocks noGrp="1"/>
-          </p:cNvSpPr>
-          <p:nvPr>
-            <p:ph type="pic" idx="13" sz="quarter"/>
-          </p:nvPr>
-        </p:nvSpPr>
-        <p:spPr/>
-      </p:sp>
-      <p:sp>
-        <p:nvSpPr>
-          <p:cNvPr id="4" name="Text Placeholder 3"/>
-          <p:cNvSpPr>
-            <a:spLocks noGrp="1"/>
-          </p:cNvSpPr>
-          <p:nvPr>
-            <p:ph type="body" idx="14" sz="quarter"/>
-          </p:nvPr>
-        </p:nvSpPr>
-        <p:spPr/>
-        <p:txBody>
-          <a:bodyPr/>
-          <a:lstStyle/>
-          <a:p>
-            <a:pPr/>
-            <a:r>
-              <a:rPr b="1"/>
-              <a:t>Foundation Deployment:</a:t>
-            </a:r>
-            <a:r>
-              <a:t> Seamless deployment of enterprise-grade Azure foundation</a:t>
-            </a:r>
-          </a:p>
-          <a:p>
-            <a:pPr/>
-            <a:r>
-              <a:rPr b="1"/>
-              <a:t>Business Unit Onboarding:</a:t>
-            </a:r>
-            <a:r>
-              <a:t> Successfully onboarded 12 business units</a:t>
-            </a:r>
-          </a:p>
-          <a:p>
-            <a:pPr/>
-            <a:r>
-              <a:rPr b="1"/>
-              <a:t>Compliance Validation:</a:t>
-            </a:r>
-            <a:r>
-              <a:t> Passed all regulatory compliance assessments</a:t>
-            </a:r>
-          </a:p>
-          <a:p>
-            <a:pPr/>
-            <a:r>
-              <a:rPr b="1"/>
-              <a:t>Cost Optimization:</a:t>
-            </a:r>
-            <a:r>
-              <a:t> Immediate 25% cost reduction through governance controls</a:t>
-            </a:r>
-          </a:p>
-          <a:p>
-            <a:pPr/>
-            <a:r>
-              <a:rPr b="1"/>
-              <a:t>Developer Productivity:</a:t>
-            </a:r>
-            <a:r>
-              <a:t> 60% faster application deployment with standardized environments</a:t>
-            </a:r>
-          </a:p>
-        </p:txBody>
-      </p:sp>
-    </p:spTree>
-  </p:cSld>
-  <p:clrMapOvr>
-    <a:masterClrMapping/>
-  </p:clrMapOvr>
-</p:sld>
-</file>
-
-<file path=ppt/slides/slide11.xml><?xml version="1.0" encoding="utf-8"?>
-<p:sld xmlns:a="http://schemas.openxmlformats.org/drawingml/2006/main" xmlns:p="http://schemas.openxmlformats.org/presentationml/2006/main" xmlns:r="http://schemas.openxmlformats.org/officeDocument/2006/relationships">
-  <p:cSld>
-    <p:spTree>
-      <p:nvGrpSpPr>
-        <p:cNvPr id="1" name=""/>
-        <p:cNvGrpSpPr/>
-        <p:nvPr/>
-      </p:nvGrpSpPr>
-      <p:grpSpPr/>
-      <p:sp>
-        <p:nvSpPr>
-          <p:cNvPr id="2" name="Text Placeholder 1"/>
-          <p:cNvSpPr>
-            <a:spLocks noGrp="1"/>
-          </p:cNvSpPr>
-          <p:nvPr>
-            <p:ph type="body" idx="10" sz="quarter"/>
-          </p:nvPr>
-        </p:nvSpPr>
-        <p:spPr/>
-        <p:txBody>
-          <a:bodyPr/>
-          <a:lstStyle/>
-          <a:p>
-            <a:r>
-              <a:t>**Slide 11: Training and Knowledge Transfer**</a:t>
-            </a:r>
-          </a:p>
-        </p:txBody>
-      </p:sp>
-      <p:sp>
-        <p:nvSpPr>
-          <p:cNvPr id="3" name="Picture Placeholder 2"/>
-          <p:cNvSpPr>
-            <a:spLocks noGrp="1"/>
-          </p:cNvSpPr>
-          <p:nvPr>
-            <p:ph type="pic" idx="13" sz="quarter"/>
-          </p:nvPr>
-        </p:nvSpPr>
-        <p:spPr/>
-      </p:sp>
-      <p:sp>
-        <p:nvSpPr>
-          <p:cNvPr id="4" name="Text Placeholder 3"/>
-          <p:cNvSpPr>
-            <a:spLocks noGrp="1"/>
-          </p:cNvSpPr>
-          <p:nvPr>
-            <p:ph type="body" idx="14" sz="quarter"/>
-          </p:nvPr>
-        </p:nvSpPr>
-        <p:spPr/>
-        <p:txBody>
-          <a:bodyPr/>
-          <a:lstStyle/>
-          <a:p>
-            <a:pPr/>
-            <a:r>
-              <a:rPr b="1"/>
-              <a:t>Cloud Governance Training:</a:t>
-            </a:r>
-            <a:r>
-              <a:t> Comprehensive training on Azure policy and compliance</a:t>
-            </a:r>
-          </a:p>
-          <a:p>
-            <a:pPr/>
-            <a:r>
-              <a:rPr b="1"/>
-              <a:t>Azure Landing Zone Operations:</a:t>
-            </a:r>
-            <a:r>
-              <a:t> Training on management and monitoring procedures</a:t>
-            </a:r>
-          </a:p>
-          <a:p>
-            <a:pPr/>
-            <a:r>
-              <a:rPr b="1"/>
-              <a:t>FinOps Training:</a:t>
-            </a:r>
-            <a:r>
-              <a:t> Cost management and optimization best practices</a:t>
-            </a:r>
-          </a:p>
-          <a:p>
-            <a:pPr/>
-            <a:r>
-              <a:rPr b="1"/>
-              <a:t>Security Operations:</a:t>
-            </a:r>
-            <a:r>
-              <a:t> Cloud security monitoring and incident response procedures</a:t>
-            </a:r>
-          </a:p>
-          <a:p>
-            <a:pPr/>
-            <a:r>
-              <a:rPr b="1"/>
-              <a:t>Developer Enablement:</a:t>
-            </a:r>
-            <a:r>
-              <a:t> Self-service environment provisioning training</a:t>
-            </a:r>
-          </a:p>
-        </p:txBody>
-      </p:sp>
-    </p:spTree>
-  </p:cSld>
-  <p:clrMapOvr>
-    <a:masterClrMapping/>
-  </p:clrMapOvr>
-</p:sld>
-</file>
-
-<file path=ppt/slides/slide12.xml><?xml version="1.0" encoding="utf-8"?>
-<p:sld xmlns:a="http://schemas.openxmlformats.org/drawingml/2006/main" xmlns:p="http://schemas.openxmlformats.org/presentationml/2006/main" xmlns:r="http://schemas.openxmlformats.org/officeDocument/2006/relationships">
-  <p:cSld>
-    <p:spTree>
-      <p:nvGrpSpPr>
-        <p:cNvPr id="1" name=""/>
-        <p:cNvGrpSpPr/>
-        <p:nvPr/>
-      </p:nvGrpSpPr>
-      <p:grpSpPr/>
-      <p:sp>
-        <p:nvSpPr>
-          <p:cNvPr id="2" name="Text Placeholder 1"/>
-          <p:cNvSpPr>
-            <a:spLocks noGrp="1"/>
-          </p:cNvSpPr>
-          <p:nvPr>
-            <p:ph type="body" idx="10" sz="quarter"/>
-          </p:nvPr>
-        </p:nvSpPr>
-        <p:spPr/>
-        <p:txBody>
-          <a:bodyPr/>
-          <a:lstStyle/>
-          <a:p>
             <a:pPr algn="l"/>
             <a:r>
               <a:rPr b="1"/>
-              <a:t>**Slide 12: Business Value Delivered Through Cloud Foundation**</a:t>
+              <a:t>**Slide 4: Azure Landing Zone Scope Delivered**</a:t>
             </a:r>
           </a:p>
         </p:txBody>
@@ -3578,7 +3314,7 @@
                             <a:srgbClr val="FFFFFF"/>
                           </a:solidFill>
                         </a:rPr>
-                        <a:t>Benefit Category</a:t>
+                        <a:t>Scope Element</a:t>
                       </a:r>
                     </a:p>
                   </a:txBody>
@@ -3599,7 +3335,7 @@
                             <a:srgbClr val="FFFFFF"/>
                           </a:solidFill>
                         </a:rPr>
-                        <a:t>Target</a:t>
+                        <a:t>Planned</a:t>
                       </a:r>
                     </a:p>
                   </a:txBody>
@@ -3620,7 +3356,7 @@
                             <a:srgbClr val="FFFFFF"/>
                           </a:solidFill>
                         </a:rPr>
-                        <a:t>Achieved</a:t>
+                        <a:t>Delivered</a:t>
                       </a:r>
                     </a:p>
                   </a:txBody>
@@ -3641,7 +3377,7 @@
                             <a:srgbClr val="FFFFFF"/>
                           </a:solidFill>
                         </a:rPr>
-                        <a:t>Measurement Method</a:t>
+                        <a:t>Status</a:t>
                       </a:r>
                     </a:p>
                   </a:txBody>
@@ -3662,7 +3398,7 @@
                             <a:srgbClr val="FFFFFF"/>
                           </a:solidFill>
                         </a:rPr>
-                        <a:t>Timeline to Full Benefit</a:t>
+                        <a:t>Notes</a:t>
                       </a:r>
                     </a:p>
                   </a:txBody>
@@ -3681,75 +3417,75 @@
                     <a:p>
                       <a:r>
                         <a:rPr sz="1100"/>
-                        <a:t>Cloud Cost Optimization</a:t>
-                      </a:r>
-                    </a:p>
-                  </a:txBody>
-                  <a:tcPr>
-                    <a:solidFill>
-                      <a:srgbClr val="E7E6E6"/>
-                    </a:solidFill>
-                  </a:tcPr>
-                </a:tc>
-                <a:tc>
-                  <a:txBody>
-                    <a:bodyPr/>
-                    <a:lstStyle/>
-                    <a:p>
-                      <a:r>
-                        <a:rPr sz="1100"/>
-                        <a:t>30% cost reduction</a:t>
-                      </a:r>
-                    </a:p>
-                  </a:txBody>
-                  <a:tcPr>
-                    <a:solidFill>
-                      <a:srgbClr val="E7E6E6"/>
-                    </a:solidFill>
-                  </a:tcPr>
-                </a:tc>
-                <a:tc>
-                  <a:txBody>
-                    <a:bodyPr/>
-                    <a:lstStyle/>
-                    <a:p>
-                      <a:r>
-                        <a:rPr sz="1100"/>
-                        <a:t>40% actual reduction</a:t>
-                      </a:r>
-                    </a:p>
-                  </a:txBody>
-                  <a:tcPr>
-                    <a:solidFill>
-                      <a:srgbClr val="E7E6E6"/>
-                    </a:solidFill>
-                  </a:tcPr>
-                </a:tc>
-                <a:tc>
-                  <a:txBody>
-                    <a:bodyPr/>
-                    <a:lstStyle/>
-                    <a:p>
-                      <a:r>
-                        <a:rPr sz="1100"/>
-                        <a:t>Azure Cost Management analytics</a:t>
-                      </a:r>
-                    </a:p>
-                  </a:txBody>
-                  <a:tcPr>
-                    <a:solidFill>
-                      <a:srgbClr val="E7E6E6"/>
-                    </a:solidFill>
-                  </a:tcPr>
-                </a:tc>
-                <a:tc>
-                  <a:txBody>
-                    <a:bodyPr/>
-                    <a:lstStyle/>
-                    <a:p>
-                      <a:r>
-                        <a:rPr sz="1100"/>
-                        <a:t>3 months</a:t>
+                        <a:t>Management Group Hierarchy</a:t>
+                      </a:r>
+                    </a:p>
+                  </a:txBody>
+                  <a:tcPr>
+                    <a:solidFill>
+                      <a:srgbClr val="E7E6E6"/>
+                    </a:solidFill>
+                  </a:tcPr>
+                </a:tc>
+                <a:tc>
+                  <a:txBody>
+                    <a:bodyPr/>
+                    <a:lstStyle/>
+                    <a:p>
+                      <a:r>
+                        <a:rPr sz="1100"/>
+                        <a:t>Enterprise organizational structure</a:t>
+                      </a:r>
+                    </a:p>
+                  </a:txBody>
+                  <a:tcPr>
+                    <a:solidFill>
+                      <a:srgbClr val="E7E6E6"/>
+                    </a:solidFill>
+                  </a:tcPr>
+                </a:tc>
+                <a:tc>
+                  <a:txBody>
+                    <a:bodyPr/>
+                    <a:lstStyle/>
+                    <a:p>
+                      <a:r>
+                        <a:rPr sz="1100"/>
+                        <a:t>Complete hierarchy with 4 levels</a:t>
+                      </a:r>
+                    </a:p>
+                  </a:txBody>
+                  <a:tcPr>
+                    <a:solidFill>
+                      <a:srgbClr val="E7E6E6"/>
+                    </a:solidFill>
+                  </a:tcPr>
+                </a:tc>
+                <a:tc>
+                  <a:txBody>
+                    <a:bodyPr/>
+                    <a:lstStyle/>
+                    <a:p>
+                      <a:r>
+                        <a:rPr sz="1100"/>
+                        <a:t>✅ Complete</a:t>
+                      </a:r>
+                    </a:p>
+                  </a:txBody>
+                  <a:tcPr>
+                    <a:solidFill>
+                      <a:srgbClr val="E7E6E6"/>
+                    </a:solidFill>
+                  </a:tcPr>
+                </a:tc>
+                <a:tc>
+                  <a:txBody>
+                    <a:bodyPr/>
+                    <a:lstStyle/>
+                    <a:p>
+                      <a:r>
+                        <a:rPr sz="1100"/>
+                        <a:t>Supports 10+ business units</a:t>
                       </a:r>
                     </a:p>
                   </a:txBody>
@@ -3768,75 +3504,75 @@
                     <a:p>
                       <a:r>
                         <a:rPr sz="1100"/>
-                        <a:t>Deployment Speed</a:t>
-                      </a:r>
-                    </a:p>
-                  </a:txBody>
-                  <a:tcPr>
-                    <a:solidFill>
-                      <a:srgbClr val="E7E6E6"/>
-                    </a:solidFill>
-                  </a:tcPr>
-                </a:tc>
-                <a:tc>
-                  <a:txBody>
-                    <a:bodyPr/>
-                    <a:lstStyle/>
-                    <a:p>
-                      <a:r>
-                        <a:rPr sz="1100"/>
-                        <a:t>5x faster deployments</a:t>
-                      </a:r>
-                    </a:p>
-                  </a:txBody>
-                  <a:tcPr>
-                    <a:solidFill>
-                      <a:srgbClr val="E7E6E6"/>
-                    </a:solidFill>
-                  </a:tcPr>
-                </a:tc>
-                <a:tc>
-                  <a:txBody>
-                    <a:bodyPr/>
-                    <a:lstStyle/>
-                    <a:p>
-                      <a:r>
-                        <a:rPr sz="1100"/>
-                        <a:t>8x actual improvement</a:t>
-                      </a:r>
-                    </a:p>
-                  </a:txBody>
-                  <a:tcPr>
-                    <a:solidFill>
-                      <a:srgbClr val="E7E6E6"/>
-                    </a:solidFill>
-                  </a:tcPr>
-                </a:tc>
-                <a:tc>
-                  <a:txBody>
-                    <a:bodyPr/>
-                    <a:lstStyle/>
-                    <a:p>
-                      <a:r>
-                        <a:rPr sz="1100"/>
-                        <a:t>Time to deployment metrics</a:t>
-                      </a:r>
-                    </a:p>
-                  </a:txBody>
-                  <a:tcPr>
-                    <a:solidFill>
-                      <a:srgbClr val="E7E6E6"/>
-                    </a:solidFill>
-                  </a:tcPr>
-                </a:tc>
-                <a:tc>
-                  <a:txBody>
-                    <a:bodyPr/>
-                    <a:lstStyle/>
-                    <a:p>
-                      <a:r>
-                        <a:rPr sz="1100"/>
-                        <a:t>Immediate</a:t>
+                        <a:t>Azure Policy Framework</a:t>
+                      </a:r>
+                    </a:p>
+                  </a:txBody>
+                  <a:tcPr>
+                    <a:solidFill>
+                      <a:srgbClr val="E7E6E6"/>
+                    </a:solidFill>
+                  </a:tcPr>
+                </a:tc>
+                <a:tc>
+                  <a:txBody>
+                    <a:bodyPr/>
+                    <a:lstStyle/>
+                    <a:p>
+                      <a:r>
+                        <a:rPr sz="1100"/>
+                        <a:t>Comprehensive governance policies</a:t>
+                      </a:r>
+                    </a:p>
+                  </a:txBody>
+                  <a:tcPr>
+                    <a:solidFill>
+                      <a:srgbClr val="E7E6E6"/>
+                    </a:solidFill>
+                  </a:tcPr>
+                </a:tc>
+                <a:tc>
+                  <a:txBody>
+                    <a:bodyPr/>
+                    <a:lstStyle/>
+                    <a:p>
+                      <a:r>
+                        <a:rPr sz="1100"/>
+                        <a:t>150+ policies deployed</a:t>
+                      </a:r>
+                    </a:p>
+                  </a:txBody>
+                  <a:tcPr>
+                    <a:solidFill>
+                      <a:srgbClr val="E7E6E6"/>
+                    </a:solidFill>
+                  </a:tcPr>
+                </a:tc>
+                <a:tc>
+                  <a:txBody>
+                    <a:bodyPr/>
+                    <a:lstStyle/>
+                    <a:p>
+                      <a:r>
+                        <a:rPr sz="1100"/>
+                        <a:t>✅ Complete</a:t>
+                      </a:r>
+                    </a:p>
+                  </a:txBody>
+                  <a:tcPr>
+                    <a:solidFill>
+                      <a:srgbClr val="E7E6E6"/>
+                    </a:solidFill>
+                  </a:tcPr>
+                </a:tc>
+                <a:tc>
+                  <a:txBody>
+                    <a:bodyPr/>
+                    <a:lstStyle/>
+                    <a:p>
+                      <a:r>
+                        <a:rPr sz="1100"/>
+                        <a:t>99.8% compliance achieved</a:t>
                       </a:r>
                     </a:p>
                   </a:txBody>
@@ -3855,75 +3591,75 @@
                     <a:p>
                       <a:r>
                         <a:rPr sz="1100"/>
-                        <a:t>Compliance Posture</a:t>
-                      </a:r>
-                    </a:p>
-                  </a:txBody>
-                  <a:tcPr>
-                    <a:solidFill>
-                      <a:srgbClr val="E7E6E6"/>
-                    </a:solidFill>
-                  </a:tcPr>
-                </a:tc>
-                <a:tc>
-                  <a:txBody>
-                    <a:bodyPr/>
-                    <a:lstStyle/>
-                    <a:p>
-                      <a:r>
-                        <a:rPr sz="1100"/>
-                        <a:t>95% compliance target</a:t>
-                      </a:r>
-                    </a:p>
-                  </a:txBody>
-                  <a:tcPr>
-                    <a:solidFill>
-                      <a:srgbClr val="E7E6E6"/>
-                    </a:solidFill>
-                  </a:tcPr>
-                </a:tc>
-                <a:tc>
-                  <a:txBody>
-                    <a:bodyPr/>
-                    <a:lstStyle/>
-                    <a:p>
-                      <a:r>
-                        <a:rPr sz="1100"/>
-                        <a:t>99.8% achieved</a:t>
-                      </a:r>
-                    </a:p>
-                  </a:txBody>
-                  <a:tcPr>
-                    <a:solidFill>
-                      <a:srgbClr val="E7E6E6"/>
-                    </a:solidFill>
-                  </a:tcPr>
-                </a:tc>
-                <a:tc>
-                  <a:txBody>
-                    <a:bodyPr/>
-                    <a:lstStyle/>
-                    <a:p>
-                      <a:r>
-                        <a:rPr sz="1100"/>
-                        <a:t>Azure Policy compliance reports</a:t>
-                      </a:r>
-                    </a:p>
-                  </a:txBody>
-                  <a:tcPr>
-                    <a:solidFill>
-                      <a:srgbClr val="E7E6E6"/>
-                    </a:solidFill>
-                  </a:tcPr>
-                </a:tc>
-                <a:tc>
-                  <a:txBody>
-                    <a:bodyPr/>
-                    <a:lstStyle/>
-                    <a:p>
-                      <a:r>
-                        <a:rPr sz="1100"/>
-                        <a:t>Immediate</a:t>
+                        <a:t>Network Architecture</a:t>
+                      </a:r>
+                    </a:p>
+                  </a:txBody>
+                  <a:tcPr>
+                    <a:solidFill>
+                      <a:srgbClr val="E7E6E6"/>
+                    </a:solidFill>
+                  </a:tcPr>
+                </a:tc>
+                <a:tc>
+                  <a:txBody>
+                    <a:bodyPr/>
+                    <a:lstStyle/>
+                    <a:p>
+                      <a:r>
+                        <a:rPr sz="1100"/>
+                        <a:t>Hub-and-spoke with security</a:t>
+                      </a:r>
+                    </a:p>
+                  </a:txBody>
+                  <a:tcPr>
+                    <a:solidFill>
+                      <a:srgbClr val="E7E6E6"/>
+                    </a:solidFill>
+                  </a:tcPr>
+                </a:tc>
+                <a:tc>
+                  <a:txBody>
+                    <a:bodyPr/>
+                    <a:lstStyle/>
+                    <a:p>
+                      <a:r>
+                        <a:rPr sz="1100"/>
+                        <a:t>Secure network foundation</a:t>
+                      </a:r>
+                    </a:p>
+                  </a:txBody>
+                  <a:tcPr>
+                    <a:solidFill>
+                      <a:srgbClr val="E7E6E6"/>
+                    </a:solidFill>
+                  </a:tcPr>
+                </a:tc>
+                <a:tc>
+                  <a:txBody>
+                    <a:bodyPr/>
+                    <a:lstStyle/>
+                    <a:p>
+                      <a:r>
+                        <a:rPr sz="1100"/>
+                        <a:t>✅ Complete</a:t>
+                      </a:r>
+                    </a:p>
+                  </a:txBody>
+                  <a:tcPr>
+                    <a:solidFill>
+                      <a:srgbClr val="E7E6E6"/>
+                    </a:solidFill>
+                  </a:tcPr>
+                </a:tc>
+                <a:tc>
+                  <a:txBody>
+                    <a:bodyPr/>
+                    <a:lstStyle/>
+                    <a:p>
+                      <a:r>
+                        <a:rPr sz="1100"/>
+                        <a:t>Zero trust network principles</a:t>
                       </a:r>
                     </a:p>
                   </a:txBody>
@@ -3942,7 +3678,7 @@
                     <a:p>
                       <a:r>
                         <a:rPr b="1" sz="1100"/>
-                        <a:t>Security Enhancement</a:t>
+                        <a:t>Identity and Access Management</a:t>
                       </a:r>
                     </a:p>
                   </a:txBody>
@@ -3959,7 +3695,7 @@
                     <a:p>
                       <a:r>
                         <a:rPr b="1" sz="1100"/>
-                        <a:t>Zero critical findings</a:t>
+                        <a:t>Enterprise RBAC and PIM</a:t>
                       </a:r>
                     </a:p>
                   </a:txBody>
@@ -3976,7 +3712,7 @@
                     <a:p>
                       <a:r>
                         <a:rPr b="1" sz="1100"/>
-                        <a:t>Target exceeded</a:t>
+                        <a:t>Complete IAM framework</a:t>
                       </a:r>
                     </a:p>
                   </a:txBody>
@@ -3993,7 +3729,7 @@
                     <a:p>
                       <a:r>
                         <a:rPr b="1" sz="1100"/>
-                        <a:t>Azure Security Center score</a:t>
+                        <a:t>✅ Complete</a:t>
                       </a:r>
                     </a:p>
                   </a:txBody>
@@ -4010,7 +3746,7 @@
                     <a:p>
                       <a:r>
                         <a:rPr b="1" sz="1100"/>
-                        <a:t>6 months</a:t>
+                        <a:t>Integration with on-premises AD</a:t>
                       </a:r>
                     </a:p>
                   </a:txBody>
@@ -4033,7 +3769,7 @@
 </p:sld>
 </file>
 
-<file path=ppt/slides/slide13.xml><?xml version="1.0" encoding="utf-8"?>
+<file path=ppt/slides/slide3.xml><?xml version="1.0" encoding="utf-8"?>
 <p:sld xmlns:a="http://schemas.openxmlformats.org/drawingml/2006/main" xmlns:p="http://schemas.openxmlformats.org/presentationml/2006/main" xmlns:r="http://schemas.openxmlformats.org/officeDocument/2006/relationships">
   <p:cSld>
     <p:spTree>
@@ -4058,1305 +3794,10 @@
           <a:bodyPr/>
           <a:lstStyle/>
           <a:p>
-            <a:r>
-              <a:t>**Slide 13: Cloud Foundation ROI Analysis**</a:t>
-            </a:r>
-          </a:p>
-        </p:txBody>
-      </p:sp>
-      <p:sp>
-        <p:nvSpPr>
-          <p:cNvPr id="3" name="Picture Placeholder 2"/>
-          <p:cNvSpPr>
-            <a:spLocks noGrp="1"/>
-          </p:cNvSpPr>
-          <p:nvPr>
-            <p:ph type="pic" idx="14" sz="quarter"/>
-          </p:nvPr>
-        </p:nvSpPr>
-        <p:spPr/>
-      </p:sp>
-      <p:sp>
-        <p:nvSpPr>
-          <p:cNvPr id="4" name="Chart Placeholder 3"/>
-          <p:cNvSpPr>
-            <a:spLocks noGrp="1"/>
-          </p:cNvSpPr>
-          <p:nvPr>
-            <p:ph type="chart" idx="15" sz="quarter"/>
-          </p:nvPr>
-        </p:nvSpPr>
-        <p:spPr/>
-      </p:sp>
-      <p:sp>
-        <p:nvSpPr>
-          <p:cNvPr id="5" name="Content Placeholder 4"/>
-          <p:cNvSpPr>
-            <a:spLocks noGrp="1"/>
-          </p:cNvSpPr>
-          <p:nvPr>
-            <p:ph idx="16" sz="quarter"/>
-          </p:nvPr>
-        </p:nvSpPr>
-        <p:spPr/>
-        <p:txBody>
-          <a:bodyPr/>
-          <a:lstStyle/>
-          <a:p/>
-        </p:txBody>
-      </p:sp>
-    </p:spTree>
-  </p:cSld>
-  <p:clrMapOvr>
-    <a:masterClrMapping/>
-  </p:clrMapOvr>
-</p:sld>
-</file>
-
-<file path=ppt/slides/slide14.xml><?xml version="1.0" encoding="utf-8"?>
-<p:sld xmlns:a="http://schemas.openxmlformats.org/drawingml/2006/main" xmlns:p="http://schemas.openxmlformats.org/presentationml/2006/main" xmlns:r="http://schemas.openxmlformats.org/officeDocument/2006/relationships">
-  <p:cSld>
-    <p:spTree>
-      <p:nvGrpSpPr>
-        <p:cNvPr id="1" name=""/>
-        <p:cNvGrpSpPr/>
-        <p:nvPr/>
-      </p:nvGrpSpPr>
-      <p:grpSpPr/>
-      <p:sp>
-        <p:nvSpPr>
-          <p:cNvPr id="2" name="Text Placeholder 1"/>
-          <p:cNvSpPr>
-            <a:spLocks noGrp="1"/>
-          </p:cNvSpPr>
-          <p:nvPr>
-            <p:ph type="body" idx="10" sz="quarter"/>
-          </p:nvPr>
-        </p:nvSpPr>
-        <p:spPr/>
-        <p:txBody>
-          <a:bodyPr/>
-          <a:lstStyle/>
-          <a:p>
-            <a:r>
-              <a:t>**Slide 14: Operational Cloud Improvements**</a:t>
-            </a:r>
-          </a:p>
-        </p:txBody>
-      </p:sp>
-      <p:sp>
-        <p:nvSpPr>
-          <p:cNvPr id="3" name="Picture Placeholder 2"/>
-          <p:cNvSpPr>
-            <a:spLocks noGrp="1"/>
-          </p:cNvSpPr>
-          <p:nvPr>
-            <p:ph type="pic" idx="13" sz="quarter"/>
-          </p:nvPr>
-        </p:nvSpPr>
-        <p:spPr/>
-      </p:sp>
-      <p:sp>
-        <p:nvSpPr>
-          <p:cNvPr id="4" name="Text Placeholder 3"/>
-          <p:cNvSpPr>
-            <a:spLocks noGrp="1"/>
-          </p:cNvSpPr>
-          <p:nvPr>
-            <p:ph type="body" idx="14" sz="quarter"/>
-          </p:nvPr>
-        </p:nvSpPr>
-        <p:spPr/>
-        <p:txBody>
-          <a:bodyPr/>
-          <a:lstStyle/>
-          <a:p>
-            <a:pPr/>
-            <a:r>
-              <a:rPr b="1"/>
-              <a:t>Deployment Efficiency:</a:t>
-            </a:r>
-            <a:r>
-              <a:t> 8x faster environment provisioning and application deployment</a:t>
-            </a:r>
-          </a:p>
-          <a:p>
-            <a:pPr/>
-            <a:r>
-              <a:rPr b="1"/>
-              <a:t>Cost Visibility:</a:t>
-            </a:r>
-            <a:r>
-              <a:t> 100% cost transparency with detailed chargeback and showback</a:t>
-            </a:r>
-          </a:p>
-          <a:p>
-            <a:pPr/>
-            <a:r>
-              <a:rPr b="1"/>
-              <a:t>Security Posture:</a:t>
-            </a:r>
-            <a:r>
-              <a:t> Industry-leading security score with automated threat detection</a:t>
-            </a:r>
-          </a:p>
-          <a:p>
-            <a:pPr/>
-            <a:r>
-              <a:rPr b="1"/>
-              <a:t>Compliance Automation:</a:t>
-            </a:r>
-            <a:r>
-              <a:t> 99.8% automated compliance with regulatory requirements</a:t>
-            </a:r>
-          </a:p>
-          <a:p>
-            <a:pPr/>
-            <a:r>
-              <a:rPr b="1"/>
-              <a:t>Resource Governance:</a:t>
-            </a:r>
-            <a:r>
-              <a:t> Complete resource lifecycle management and optimization</a:t>
-            </a:r>
-          </a:p>
-        </p:txBody>
-      </p:sp>
-    </p:spTree>
-  </p:cSld>
-  <p:clrMapOvr>
-    <a:masterClrMapping/>
-  </p:clrMapOvr>
-</p:sld>
-</file>
-
-<file path=ppt/slides/slide15.xml><?xml version="1.0" encoding="utf-8"?>
-<p:sld xmlns:a="http://schemas.openxmlformats.org/drawingml/2006/main" xmlns:p="http://schemas.openxmlformats.org/presentationml/2006/main" xmlns:r="http://schemas.openxmlformats.org/officeDocument/2006/relationships">
-  <p:cSld>
-    <p:spTree>
-      <p:nvGrpSpPr>
-        <p:cNvPr id="1" name=""/>
-        <p:cNvGrpSpPr/>
-        <p:nvPr/>
-      </p:nvGrpSpPr>
-      <p:grpSpPr/>
-      <p:sp>
-        <p:nvSpPr>
-          <p:cNvPr id="2" name="Text Placeholder 1"/>
-          <p:cNvSpPr>
-            <a:spLocks noGrp="1"/>
-          </p:cNvSpPr>
-          <p:nvPr>
-            <p:ph type="body" idx="10" sz="quarter"/>
-          </p:nvPr>
-        </p:nvSpPr>
-        <p:spPr/>
-        <p:txBody>
-          <a:bodyPr/>
-          <a:lstStyle/>
-          <a:p>
-            <a:r>
-              <a:t>**Slide 15: Strategic Cloud Value**</a:t>
-            </a:r>
-          </a:p>
-        </p:txBody>
-      </p:sp>
-      <p:sp>
-        <p:nvSpPr>
-          <p:cNvPr id="3" name="Picture Placeholder 2"/>
-          <p:cNvSpPr>
-            <a:spLocks noGrp="1"/>
-          </p:cNvSpPr>
-          <p:nvPr>
-            <p:ph type="pic" idx="13" sz="quarter"/>
-          </p:nvPr>
-        </p:nvSpPr>
-        <p:spPr/>
-      </p:sp>
-      <p:sp>
-        <p:nvSpPr>
-          <p:cNvPr id="4" name="Text Placeholder 3"/>
-          <p:cNvSpPr>
-            <a:spLocks noGrp="1"/>
-          </p:cNvSpPr>
-          <p:nvPr>
-            <p:ph type="body" idx="14" sz="quarter"/>
-          </p:nvPr>
-        </p:nvSpPr>
-        <p:spPr/>
-        <p:txBody>
-          <a:bodyPr/>
-          <a:lstStyle/>
-          <a:p>
-            <a:pPr/>
-            <a:r>
-              <a:rPr b="1"/>
-              <a:t>Digital Transformation Acceleration:</a:t>
-            </a:r>
-            <a:r>
-              <a:t> Enterprise-ready cloud foundation for innovation</a:t>
-            </a:r>
-          </a:p>
-          <a:p>
-            <a:pPr/>
-            <a:r>
-              <a:rPr b="1"/>
-              <a:t>Competitive Advantage:</a:t>
-            </a:r>
-            <a:r>
-              <a:t> Faster time-to-market with standardized cloud environments</a:t>
-            </a:r>
-          </a:p>
-          <a:p>
-            <a:pPr/>
-            <a:r>
-              <a:rPr b="1"/>
-              <a:t>Innovation Platform:</a:t>
-            </a:r>
-            <a:r>
-              <a:t> Azure Landing Zone ready for AI, IoT, and emerging technologies</a:t>
-            </a:r>
-          </a:p>
-          <a:p>
-            <a:pPr/>
-            <a:r>
-              <a:rPr b="1"/>
-              <a:t>Organizational Cloud Maturity:</a:t>
-            </a:r>
-            <a:r>
-              <a:t> Established cloud-first culture and expertise</a:t>
-            </a:r>
-          </a:p>
-          <a:p>
-            <a:pPr/>
-            <a:r>
-              <a:rPr b="1"/>
-              <a:t>Scale Foundation:</a:t>
-            </a:r>
-            <a:r>
-              <a:t> Architecture designed for global enterprise scale</a:t>
-            </a:r>
-          </a:p>
-        </p:txBody>
-      </p:sp>
-    </p:spTree>
-  </p:cSld>
-  <p:clrMapOvr>
-    <a:masterClrMapping/>
-  </p:clrMapOvr>
-</p:sld>
-</file>
-
-<file path=ppt/slides/slide16.xml><?xml version="1.0" encoding="utf-8"?>
-<p:sld xmlns:a="http://schemas.openxmlformats.org/drawingml/2006/main" xmlns:p="http://schemas.openxmlformats.org/presentationml/2006/main" xmlns:r="http://schemas.openxmlformats.org/officeDocument/2006/relationships">
-  <p:cSld>
-    <p:spTree>
-      <p:nvGrpSpPr>
-        <p:cNvPr id="1" name=""/>
-        <p:cNvGrpSpPr/>
-        <p:nvPr/>
-      </p:nvGrpSpPr>
-      <p:grpSpPr/>
-      <p:sp>
-        <p:nvSpPr>
-          <p:cNvPr id="2" name="Text Placeholder 1"/>
-          <p:cNvSpPr>
-            <a:spLocks noGrp="1"/>
-          </p:cNvSpPr>
-          <p:nvPr>
-            <p:ph type="body" idx="10" sz="quarter"/>
-          </p:nvPr>
-        </p:nvSpPr>
-        <p:spPr/>
-        <p:txBody>
-          <a:bodyPr/>
-          <a:lstStyle/>
-          <a:p>
-            <a:r>
-              <a:t>**Slide 16: What Went Well**</a:t>
-            </a:r>
-          </a:p>
-        </p:txBody>
-      </p:sp>
-      <p:sp>
-        <p:nvSpPr>
-          <p:cNvPr id="3" name="Picture Placeholder 2"/>
-          <p:cNvSpPr>
-            <a:spLocks noGrp="1"/>
-          </p:cNvSpPr>
-          <p:nvPr>
-            <p:ph type="pic" idx="13" sz="quarter"/>
-          </p:nvPr>
-        </p:nvSpPr>
-        <p:spPr/>
-      </p:sp>
-      <p:sp>
-        <p:nvSpPr>
-          <p:cNvPr id="4" name="Text Placeholder 3"/>
-          <p:cNvSpPr>
-            <a:spLocks noGrp="1"/>
-          </p:cNvSpPr>
-          <p:nvPr>
-            <p:ph type="body" idx="14" sz="quarter"/>
-          </p:nvPr>
-        </p:nvSpPr>
-        <p:spPr/>
-        <p:txBody>
-          <a:bodyPr/>
-          <a:lstStyle/>
-          <a:p>
-            <a:pPr/>
-            <a:r>
-              <a:rPr b="1"/>
-              <a:t>Azure Landing Zone Design:</a:t>
-            </a:r>
-            <a:r>
-              <a:t> Microsoft CAF reference architecture provided excellent foundation</a:t>
-            </a:r>
-          </a:p>
-          <a:p>
-            <a:pPr/>
-            <a:r>
-              <a:rPr b="1"/>
-              <a:t>Policy-Driven Governance:</a:t>
-            </a:r>
-            <a:r>
-              <a:t> Automated compliance enforcement exceeded expectations</a:t>
-            </a:r>
-          </a:p>
-          <a:p>
-            <a:pPr/>
-            <a:r>
-              <a:rPr b="1"/>
-              <a:t>Cross-Functional Collaboration:</a:t>
-            </a:r>
-            <a:r>
-              <a:t> Strong partnership between cloud, security, and business teams</a:t>
-            </a:r>
-          </a:p>
-          <a:p>
-            <a:pPr/>
-            <a:r>
-              <a:rPr b="1"/>
-              <a:t>Phased Implementation:</a:t>
-            </a:r>
-            <a:r>
-              <a:t> Incremental rollout minimized risk and maximized learning</a:t>
-            </a:r>
-          </a:p>
-          <a:p>
-            <a:pPr/>
-            <a:r>
-              <a:rPr b="1"/>
-              <a:t>Microsoft Partnership:</a:t>
-            </a:r>
-            <a:r>
-              <a:t> Excellent support from Microsoft throughout implementation</a:t>
-            </a:r>
-          </a:p>
-        </p:txBody>
-      </p:sp>
-    </p:spTree>
-  </p:cSld>
-  <p:clrMapOvr>
-    <a:masterClrMapping/>
-  </p:clrMapOvr>
-</p:sld>
-</file>
-
-<file path=ppt/slides/slide17.xml><?xml version="1.0" encoding="utf-8"?>
-<p:sld xmlns:a="http://schemas.openxmlformats.org/drawingml/2006/main" xmlns:p="http://schemas.openxmlformats.org/presentationml/2006/main" xmlns:r="http://schemas.openxmlformats.org/officeDocument/2006/relationships">
-  <p:cSld>
-    <p:spTree>
-      <p:nvGrpSpPr>
-        <p:cNvPr id="1" name=""/>
-        <p:cNvGrpSpPr/>
-        <p:nvPr/>
-      </p:nvGrpSpPr>
-      <p:grpSpPr/>
-      <p:sp>
-        <p:nvSpPr>
-          <p:cNvPr id="2" name="Text Placeholder 1"/>
-          <p:cNvSpPr>
-            <a:spLocks noGrp="1"/>
-          </p:cNvSpPr>
-          <p:nvPr>
-            <p:ph type="body" idx="10" sz="quarter"/>
-          </p:nvPr>
-        </p:nvSpPr>
-        <p:spPr/>
-        <p:txBody>
-          <a:bodyPr/>
-          <a:lstStyle/>
-          <a:p>
             <a:pPr algn="l"/>
             <a:r>
               <a:rPr b="1"/>
-              <a:t>**Slide 17: Cloud Governance Challenges Overcome**</a:t>
-            </a:r>
-          </a:p>
-        </p:txBody>
-      </p:sp>
-      <p:sp>
-        <p:nvSpPr>
-          <p:cNvPr id="3" name="Picture Placeholder 2"/>
-          <p:cNvSpPr>
-            <a:spLocks noGrp="1"/>
-          </p:cNvSpPr>
-          <p:nvPr>
-            <p:ph type="pic" idx="13" sz="quarter"/>
-          </p:nvPr>
-        </p:nvSpPr>
-        <p:spPr/>
-      </p:sp>
-      <p:graphicFrame>
-        <p:nvGraphicFramePr>
-          <p:cNvPr id="4" name="Table Placeholder 3"/>
-          <p:cNvGraphicFramePr>
-            <a:graphicFrameLocks noGrp="1"/>
-          </p:cNvGraphicFramePr>
-          <p:nvPr>
-            <p:ph type="tbl" idx="14" sz="quarter"/>
-          </p:nvPr>
-        </p:nvGraphicFramePr>
-        <p:xfrm>
-          <a:off x="256855" y="677011"/>
-          <a:ext cx="8710930" cy="1483360"/>
-        </p:xfrm>
-        <a:graphic>
-          <a:graphicData uri="http://schemas.openxmlformats.org/drawingml/2006/table">
-            <a:tbl>
-              <a:tblPr firstRow="1" bandRow="1">
-                <a:tableStyleId>{5C22544A-7EE6-4342-B048-85BDC9FD1C3A}</a:tableStyleId>
-              </a:tblPr>
-              <a:tblGrid>
-                <a:gridCol w="1045311"/>
-                <a:gridCol w="2177733"/>
-                <a:gridCol w="1045311"/>
-                <a:gridCol w="4442575"/>
-              </a:tblGrid>
-              <a:tr h="370840">
-                <a:tc>
-                  <a:txBody>
-                    <a:bodyPr/>
-                    <a:lstStyle/>
-                    <a:p>
-                      <a:r>
-                        <a:rPr b="1" sz="1400">
-                          <a:solidFill>
-                            <a:srgbClr val="FFFFFF"/>
-                          </a:solidFill>
-                        </a:rPr>
-                        <a:t>Challenge</a:t>
-                      </a:r>
-                    </a:p>
-                  </a:txBody>
-                  <a:tcPr>
-                    <a:solidFill>
-                      <a:srgbClr val="A01C02"/>
-                    </a:solidFill>
-                  </a:tcPr>
-                </a:tc>
-                <a:tc>
-                  <a:txBody>
-                    <a:bodyPr/>
-                    <a:lstStyle/>
-                    <a:p>
-                      <a:r>
-                        <a:rPr b="1" sz="1400">
-                          <a:solidFill>
-                            <a:srgbClr val="FFFFFF"/>
-                          </a:solidFill>
-                        </a:rPr>
-                        <a:t>Impact</a:t>
-                      </a:r>
-                    </a:p>
-                  </a:txBody>
-                  <a:tcPr>
-                    <a:solidFill>
-                      <a:srgbClr val="A01C02"/>
-                    </a:solidFill>
-                  </a:tcPr>
-                </a:tc>
-                <a:tc>
-                  <a:txBody>
-                    <a:bodyPr/>
-                    <a:lstStyle/>
-                    <a:p>
-                      <a:r>
-                        <a:rPr b="1" sz="1400">
-                          <a:solidFill>
-                            <a:srgbClr val="FFFFFF"/>
-                          </a:solidFill>
-                        </a:rPr>
-                        <a:t>Resolution</a:t>
-                      </a:r>
-                    </a:p>
-                  </a:txBody>
-                  <a:tcPr>
-                    <a:solidFill>
-                      <a:srgbClr val="A01C02"/>
-                    </a:solidFill>
-                  </a:tcPr>
-                </a:tc>
-                <a:tc>
-                  <a:txBody>
-                    <a:bodyPr/>
-                    <a:lstStyle/>
-                    <a:p>
-                      <a:r>
-                        <a:rPr b="1" sz="1400">
-                          <a:solidFill>
-                            <a:srgbClr val="FFFFFF"/>
-                          </a:solidFill>
-                        </a:rPr>
-                        <a:t>Prevention for Future</a:t>
-                      </a:r>
-                    </a:p>
-                  </a:txBody>
-                  <a:tcPr>
-                    <a:solidFill>
-                      <a:srgbClr val="A01C02"/>
-                    </a:solidFill>
-                  </a:tcPr>
-                </a:tc>
-              </a:tr>
-              <a:tr h="370840">
-                <a:tc>
-                  <a:txBody>
-                    <a:bodyPr/>
-                    <a:lstStyle/>
-                    <a:p>
-                      <a:r>
-                        <a:rPr sz="1100"/>
-                        <a:t>Complex Policy Dependencies</a:t>
-                      </a:r>
-                    </a:p>
-                  </a:txBody>
-                  <a:tcPr>
-                    <a:solidFill>
-                      <a:srgbClr val="E7E6E6"/>
-                    </a:solidFill>
-                  </a:tcPr>
-                </a:tc>
-                <a:tc>
-                  <a:txBody>
-                    <a:bodyPr/>
-                    <a:lstStyle/>
-                    <a:p>
-                      <a:r>
-                        <a:rPr sz="1100"/>
-                        <a:t>Initial policy conflicts</a:t>
-                      </a:r>
-                    </a:p>
-                  </a:txBody>
-                  <a:tcPr>
-                    <a:solidFill>
-                      <a:srgbClr val="E7E6E6"/>
-                    </a:solidFill>
-                  </a:tcPr>
-                </a:tc>
-                <a:tc>
-                  <a:txBody>
-                    <a:bodyPr/>
-                    <a:lstStyle/>
-                    <a:p>
-                      <a:r>
-                        <a:rPr sz="1100"/>
-                        <a:t>Comprehensive policy testing framework</a:t>
-                      </a:r>
-                    </a:p>
-                  </a:txBody>
-                  <a:tcPr>
-                    <a:solidFill>
-                      <a:srgbClr val="E7E6E6"/>
-                    </a:solidFill>
-                  </a:tcPr>
-                </a:tc>
-                <a:tc>
-                  <a:txBody>
-                    <a:bodyPr/>
-                    <a:lstStyle/>
-                    <a:p>
-                      <a:r>
-                        <a:rPr sz="1100"/>
-                        <a:t>Policy impact analysis process</a:t>
-                      </a:r>
-                    </a:p>
-                  </a:txBody>
-                  <a:tcPr>
-                    <a:solidFill>
-                      <a:srgbClr val="E7E6E6"/>
-                    </a:solidFill>
-                  </a:tcPr>
-                </a:tc>
-              </a:tr>
-              <a:tr h="370840">
-                <a:tc>
-                  <a:txBody>
-                    <a:bodyPr/>
-                    <a:lstStyle/>
-                    <a:p>
-                      <a:r>
-                        <a:rPr sz="1100"/>
-                        <a:t>Legacy System Integration</a:t>
-                      </a:r>
-                    </a:p>
-                  </a:txBody>
-                  <a:tcPr>
-                    <a:solidFill>
-                      <a:srgbClr val="E7E6E6"/>
-                    </a:solidFill>
-                  </a:tcPr>
-                </a:tc>
-                <a:tc>
-                  <a:txBody>
-                    <a:bodyPr/>
-                    <a:lstStyle/>
-                    <a:p>
-                      <a:r>
-                        <a:rPr sz="1100"/>
-                        <a:t>Hybrid connectivity complexity</a:t>
-                      </a:r>
-                    </a:p>
-                  </a:txBody>
-                  <a:tcPr>
-                    <a:solidFill>
-                      <a:srgbClr val="E7E6E6"/>
-                    </a:solidFill>
-                  </a:tcPr>
-                </a:tc>
-                <a:tc>
-                  <a:txBody>
-                    <a:bodyPr/>
-                    <a:lstStyle/>
-                    <a:p>
-                      <a:r>
-                        <a:rPr sz="1100"/>
-                        <a:t>Detailed network architecture and testing</a:t>
-                      </a:r>
-                    </a:p>
-                  </a:txBody>
-                  <a:tcPr>
-                    <a:solidFill>
-                      <a:srgbClr val="E7E6E6"/>
-                    </a:solidFill>
-                  </a:tcPr>
-                </a:tc>
-                <a:tc>
-                  <a:txBody>
-                    <a:bodyPr/>
-                    <a:lstStyle/>
-                    <a:p>
-                      <a:r>
-                        <a:rPr sz="1100"/>
-                        <a:t>Hybrid connectivity design standards</a:t>
-                      </a:r>
-                    </a:p>
-                  </a:txBody>
-                  <a:tcPr>
-                    <a:solidFill>
-                      <a:srgbClr val="E7E6E6"/>
-                    </a:solidFill>
-                  </a:tcPr>
-                </a:tc>
-              </a:tr>
-              <a:tr h="370840">
-                <a:tc>
-                  <a:txBody>
-                    <a:bodyPr/>
-                    <a:lstStyle/>
-                    <a:p>
-                      <a:r>
-                        <a:rPr b="1" sz="1100"/>
-                        <a:t>Change Management</a:t>
-                      </a:r>
-                    </a:p>
-                  </a:txBody>
-                  <a:tcPr>
-                    <a:solidFill>
-                      <a:srgbClr val="E7E6E6"/>
-                    </a:solidFill>
-                  </a:tcPr>
-                </a:tc>
-                <a:tc>
-                  <a:txBody>
-                    <a:bodyPr/>
-                    <a:lstStyle/>
-                    <a:p>
-                      <a:r>
-                        <a:rPr b="1" sz="1100"/>
-                        <a:t>Resistance to cloud governance</a:t>
-                      </a:r>
-                    </a:p>
-                  </a:txBody>
-                  <a:tcPr>
-                    <a:solidFill>
-                      <a:srgbClr val="E7E6E6"/>
-                    </a:solidFill>
-                  </a:tcPr>
-                </a:tc>
-                <a:tc>
-                  <a:txBody>
-                    <a:bodyPr/>
-                    <a:lstStyle/>
-                    <a:p>
-                      <a:r>
-                        <a:rPr b="1" sz="1100"/>
-                        <a:t>Comprehensive training and stakeholder engagement</a:t>
-                      </a:r>
-                    </a:p>
-                  </a:txBody>
-                  <a:tcPr>
-                    <a:solidFill>
-                      <a:srgbClr val="E7E6E6"/>
-                    </a:solidFill>
-                  </a:tcPr>
-                </a:tc>
-                <a:tc>
-                  <a:txBody>
-                    <a:bodyPr/>
-                    <a:lstStyle/>
-                    <a:p>
-                      <a:r>
-                        <a:rPr b="1" sz="1100"/>
-                        <a:t>Early engagement in cloud initiatives</a:t>
-                      </a:r>
-                    </a:p>
-                  </a:txBody>
-                  <a:tcPr>
-                    <a:solidFill>
-                      <a:srgbClr val="E7E6E6"/>
-                    </a:solidFill>
-                  </a:tcPr>
-                </a:tc>
-              </a:tr>
-            </a:tbl>
-          </a:graphicData>
-        </a:graphic>
-      </p:graphicFrame>
-    </p:spTree>
-  </p:cSld>
-  <p:clrMapOvr>
-    <a:masterClrMapping/>
-  </p:clrMapOvr>
-</p:sld>
-</file>
-
-<file path=ppt/slides/slide18.xml><?xml version="1.0" encoding="utf-8"?>
-<p:sld xmlns:a="http://schemas.openxmlformats.org/drawingml/2006/main" xmlns:p="http://schemas.openxmlformats.org/presentationml/2006/main" xmlns:r="http://schemas.openxmlformats.org/officeDocument/2006/relationships">
-  <p:cSld>
-    <p:spTree>
-      <p:nvGrpSpPr>
-        <p:cNvPr id="1" name=""/>
-        <p:cNvGrpSpPr/>
-        <p:nvPr/>
-      </p:nvGrpSpPr>
-      <p:grpSpPr/>
-      <p:sp>
-        <p:nvSpPr>
-          <p:cNvPr id="2" name="Text Placeholder 1"/>
-          <p:cNvSpPr>
-            <a:spLocks noGrp="1"/>
-          </p:cNvSpPr>
-          <p:nvPr>
-            <p:ph type="body" idx="10" sz="quarter"/>
-          </p:nvPr>
-        </p:nvSpPr>
-        <p:spPr/>
-        <p:txBody>
-          <a:bodyPr/>
-          <a:lstStyle/>
-          <a:p>
-            <a:r>
-              <a:t>**Slide 18: Cloud and Governance Key Learnings**</a:t>
-            </a:r>
-          </a:p>
-        </p:txBody>
-      </p:sp>
-      <p:sp>
-        <p:nvSpPr>
-          <p:cNvPr id="3" name="Picture Placeholder 2"/>
-          <p:cNvSpPr>
-            <a:spLocks noGrp="1"/>
-          </p:cNvSpPr>
-          <p:nvPr>
-            <p:ph type="pic" idx="13" sz="quarter"/>
-          </p:nvPr>
-        </p:nvSpPr>
-        <p:spPr/>
-      </p:sp>
-      <p:sp>
-        <p:nvSpPr>
-          <p:cNvPr id="4" name="Text Placeholder 3"/>
-          <p:cNvSpPr>
-            <a:spLocks noGrp="1"/>
-          </p:cNvSpPr>
-          <p:nvPr>
-            <p:ph type="body" idx="14" sz="quarter"/>
-          </p:nvPr>
-        </p:nvSpPr>
-        <p:spPr/>
-        <p:txBody>
-          <a:bodyPr/>
-          <a:lstStyle/>
-          <a:p>
-            <a:pPr/>
-            <a:r>
-              <a:rPr b="1"/>
-              <a:t>Technical Cloud Lessons:</a:t>
-            </a:r>
-          </a:p>
-          <a:p>
-            <a:pPr lvl="1"/>
-            <a:r>
-              <a:t>Azure Landing Zone accelerates enterprise cloud adoption significantly</a:t>
-            </a:r>
-          </a:p>
-          <a:p>
-            <a:pPr lvl="1"/>
-            <a:r>
-              <a:t>Policy-as-Code enables scalable governance across multiple subscriptions</a:t>
-            </a:r>
-          </a:p>
-          <a:p>
-            <a:pPr lvl="1"/>
-            <a:r>
-              <a:t>Network design is critical for security and performance in cloud environments</a:t>
-            </a:r>
-          </a:p>
-          <a:p>
-            <a:pPr/>
-            <a:r>
-              <a:rPr b="1"/>
-              <a:t>Process Lessons:</a:t>
-            </a:r>
-          </a:p>
-          <a:p>
-            <a:pPr lvl="1"/>
-            <a:r>
-              <a:t>Governance framework must be implemented before workload migration</a:t>
-            </a:r>
-          </a:p>
-          <a:p>
-            <a:pPr lvl="1"/>
-            <a:r>
-              <a:t>Continuous compliance monitoring essential for enterprise environments</a:t>
-            </a:r>
-          </a:p>
-          <a:p>
-            <a:pPr lvl="1"/>
-            <a:r>
-              <a:t>Cost management requires both technical controls and organizational process</a:t>
-            </a:r>
-          </a:p>
-          <a:p>
-            <a:pPr/>
-            <a:r>
-              <a:rPr b="1"/>
-              <a:t>Organizational Lessons:</a:t>
-            </a:r>
-          </a:p>
-          <a:p>
-            <a:pPr lvl="1"/>
-            <a:r>
-              <a:t>Cloud governance requires dedicated team and clear accountability</a:t>
-            </a:r>
-          </a:p>
-          <a:p>
-            <a:pPr lvl="1"/>
-            <a:r>
-              <a:t>Business unit engagement critical for successful cloud adoption</a:t>
-            </a:r>
-          </a:p>
-          <a:p>
-            <a:pPr lvl="1"/>
-            <a:r>
-              <a:t>Executive sponsorship essential for enterprise cloud transformation</a:t>
-            </a:r>
-          </a:p>
-        </p:txBody>
-      </p:sp>
-    </p:spTree>
-  </p:cSld>
-  <p:clrMapOvr>
-    <a:masterClrMapping/>
-  </p:clrMapOvr>
-</p:sld>
-</file>
-
-<file path=ppt/slides/slide19.xml><?xml version="1.0" encoding="utf-8"?>
-<p:sld xmlns:a="http://schemas.openxmlformats.org/drawingml/2006/main" xmlns:p="http://schemas.openxmlformats.org/presentationml/2006/main" xmlns:r="http://schemas.openxmlformats.org/officeDocument/2006/relationships">
-  <p:cSld>
-    <p:spTree>
-      <p:nvGrpSpPr>
-        <p:cNvPr id="1" name=""/>
-        <p:cNvGrpSpPr/>
-        <p:nvPr/>
-      </p:nvGrpSpPr>
-      <p:grpSpPr/>
-      <p:sp>
-        <p:nvSpPr>
-          <p:cNvPr id="2" name="Text Placeholder 1"/>
-          <p:cNvSpPr>
-            <a:spLocks noGrp="1"/>
-          </p:cNvSpPr>
-          <p:nvPr>
-            <p:ph type="body" idx="10" sz="quarter"/>
-          </p:nvPr>
-        </p:nvSpPr>
-        <p:spPr/>
-        <p:txBody>
-          <a:bodyPr/>
-          <a:lstStyle/>
-          <a:p>
-            <a:r>
-              <a:t>**Slide 19: Best Practices Established for Cloud**</a:t>
-            </a:r>
-          </a:p>
-        </p:txBody>
-      </p:sp>
-      <p:sp>
-        <p:nvSpPr>
-          <p:cNvPr id="3" name="Picture Placeholder 2"/>
-          <p:cNvSpPr>
-            <a:spLocks noGrp="1"/>
-          </p:cNvSpPr>
-          <p:nvPr>
-            <p:ph type="pic" idx="13" sz="quarter"/>
-          </p:nvPr>
-        </p:nvSpPr>
-        <p:spPr/>
-      </p:sp>
-      <p:sp>
-        <p:nvSpPr>
-          <p:cNvPr id="4" name="Text Placeholder 3"/>
-          <p:cNvSpPr>
-            <a:spLocks noGrp="1"/>
-          </p:cNvSpPr>
-          <p:nvPr>
-            <p:ph type="body" idx="14" sz="quarter"/>
-          </p:nvPr>
-        </p:nvSpPr>
-        <p:spPr/>
-        <p:txBody>
-          <a:bodyPr/>
-          <a:lstStyle/>
-          <a:p>
-            <a:pPr/>
-            <a:r>
-              <a:rPr b="1"/>
-              <a:t>Cloud Governance Framework:</a:t>
-            </a:r>
-            <a:r>
-              <a:t> Comprehensive Azure policy and compliance standards</a:t>
-            </a:r>
-          </a:p>
-          <a:p>
-            <a:pPr/>
-            <a:r>
-              <a:rPr b="1"/>
-              <a:t>Infrastructure as Code:</a:t>
-            </a:r>
-            <a:r>
-              <a:t> Standardized Terraform and ARM template practices</a:t>
-            </a:r>
-          </a:p>
-          <a:p>
-            <a:pPr/>
-            <a:r>
-              <a:rPr b="1"/>
-              <a:t>Cost Management:</a:t>
-            </a:r>
-            <a:r>
-              <a:t> FinOps practices with automated cost optimization</a:t>
-            </a:r>
-          </a:p>
-          <a:p>
-            <a:pPr/>
-            <a:r>
-              <a:rPr b="1"/>
-              <a:t>Security Standards:</a:t>
-            </a:r>
-            <a:r>
-              <a:t> Zero trust architecture and cloud security framework</a:t>
-            </a:r>
-          </a:p>
-          <a:p>
-            <a:pPr/>
-            <a:r>
-              <a:rPr b="1"/>
-              <a:t>Operational Excellence:</a:t>
-            </a:r>
-            <a:r>
-              <a:t> Cloud monitoring, alerting, and incident response procedures</a:t>
-            </a:r>
-          </a:p>
-        </p:txBody>
-      </p:sp>
-    </p:spTree>
-  </p:cSld>
-  <p:clrMapOvr>
-    <a:masterClrMapping/>
-  </p:clrMapOvr>
-</p:sld>
-</file>
-
-<file path=ppt/slides/slide2.xml><?xml version="1.0" encoding="utf-8"?>
-<p:sld xmlns:a="http://schemas.openxmlformats.org/drawingml/2006/main" xmlns:p="http://schemas.openxmlformats.org/presentationml/2006/main" xmlns:r="http://schemas.openxmlformats.org/officeDocument/2006/relationships">
-  <p:cSld>
-    <p:spTree>
-      <p:nvGrpSpPr>
-        <p:cNvPr id="1" name=""/>
-        <p:cNvGrpSpPr/>
-        <p:nvPr/>
-      </p:nvGrpSpPr>
-      <p:grpSpPr/>
-      <p:sp>
-        <p:nvSpPr>
-          <p:cNvPr id="2" name="Text Placeholder 1"/>
-          <p:cNvSpPr>
-            <a:spLocks noGrp="1"/>
-          </p:cNvSpPr>
-          <p:nvPr>
-            <p:ph type="body" idx="10" sz="quarter"/>
-          </p:nvPr>
-        </p:nvSpPr>
-        <p:spPr/>
-        <p:txBody>
-          <a:bodyPr/>
-          <a:lstStyle/>
-          <a:p>
-            <a:r>
-              <a:t>**Slide 2: Agenda**</a:t>
-            </a:r>
-          </a:p>
-        </p:txBody>
-      </p:sp>
-      <p:sp>
-        <p:nvSpPr>
-          <p:cNvPr id="3" name="Picture Placeholder 2"/>
-          <p:cNvSpPr>
-            <a:spLocks noGrp="1"/>
-          </p:cNvSpPr>
-          <p:nvPr>
-            <p:ph type="pic" idx="13" sz="quarter"/>
-          </p:nvPr>
-        </p:nvSpPr>
-        <p:spPr/>
-      </p:sp>
-      <p:sp>
-        <p:nvSpPr>
-          <p:cNvPr id="4" name="Text Placeholder 3"/>
-          <p:cNvSpPr>
-            <a:spLocks noGrp="1"/>
-          </p:cNvSpPr>
-          <p:nvPr>
-            <p:ph type="body" idx="14" sz="quarter"/>
-          </p:nvPr>
-        </p:nvSpPr>
-        <p:spPr/>
-        <p:txBody>
-          <a:bodyPr/>
-          <a:lstStyle/>
-          <a:p>
-            <a:pPr/>
-            <a:r>
-              <a:t>Project Overview and Cloud Foundation Objectives</a:t>
-            </a:r>
-          </a:p>
-          <a:p>
-            <a:pPr/>
-            <a:r>
-              <a:t>Azure Enterprise Landing Zone Delivery Summary</a:t>
-            </a:r>
-          </a:p>
-          <a:p>
-            <a:pPr/>
-            <a:r>
-              <a:t>Cloud Governance and Security Benefits Realization</a:t>
-            </a:r>
-          </a:p>
-          <a:p>
-            <a:pPr/>
-            <a:r>
-              <a:t>Enterprise Cloud Transformation Lessons Learned</a:t>
-            </a:r>
-          </a:p>
-          <a:p>
-            <a:pPr/>
-            <a:r>
-              <a:t>Cloud Operations Excellence Recommendations and Next Steps</a:t>
-            </a:r>
-          </a:p>
-          <a:p>
-            <a:pPr/>
-            <a:r>
-              <a:t>Team Recognition and Cloud Innovation Achievement</a:t>
-            </a:r>
-          </a:p>
-          <a:p>
-            <a:pPr/>
-            <a:r>
-              <a:t>Q&amp;A Session</a:t>
-            </a:r>
-          </a:p>
-        </p:txBody>
-      </p:sp>
-    </p:spTree>
-  </p:cSld>
-  <p:clrMapOvr>
-    <a:masterClrMapping/>
-  </p:clrMapOvr>
-</p:sld>
-</file>
-
-<file path=ppt/slides/slide20.xml><?xml version="1.0" encoding="utf-8"?>
-<p:sld xmlns:a="http://schemas.openxmlformats.org/drawingml/2006/main" xmlns:p="http://schemas.openxmlformats.org/presentationml/2006/main" xmlns:r="http://schemas.openxmlformats.org/officeDocument/2006/relationships">
-  <p:cSld>
-    <p:spTree>
-      <p:nvGrpSpPr>
-        <p:cNvPr id="1" name=""/>
-        <p:cNvGrpSpPr/>
-        <p:nvPr/>
-      </p:nvGrpSpPr>
-      <p:grpSpPr/>
-      <p:sp>
-        <p:nvSpPr>
-          <p:cNvPr id="2" name="Text Placeholder 1"/>
-          <p:cNvSpPr>
-            <a:spLocks noGrp="1"/>
-          </p:cNvSpPr>
-          <p:nvPr>
-            <p:ph type="body" idx="10" sz="quarter"/>
-          </p:nvPr>
-        </p:nvSpPr>
-        <p:spPr/>
-        <p:txBody>
-          <a:bodyPr/>
-          <a:lstStyle/>
-          <a:p>
-            <a:r>
-              <a:t>**Slide 20: Immediate Cloud Operations Recommendations**</a:t>
-            </a:r>
-          </a:p>
-        </p:txBody>
-      </p:sp>
-      <p:sp>
-        <p:nvSpPr>
-          <p:cNvPr id="3" name="Picture Placeholder 2"/>
-          <p:cNvSpPr>
-            <a:spLocks noGrp="1"/>
-          </p:cNvSpPr>
-          <p:nvPr>
-            <p:ph type="pic" idx="13" sz="quarter"/>
-          </p:nvPr>
-        </p:nvSpPr>
-        <p:spPr/>
-      </p:sp>
-      <p:sp>
-        <p:nvSpPr>
-          <p:cNvPr id="4" name="Text Placeholder 3"/>
-          <p:cNvSpPr>
-            <a:spLocks noGrp="1"/>
-          </p:cNvSpPr>
-          <p:nvPr>
-            <p:ph type="body" idx="14" sz="quarter"/>
-          </p:nvPr>
-        </p:nvSpPr>
-        <p:spPr/>
-        <p:txBody>
-          <a:bodyPr/>
-          <a:lstStyle/>
-          <a:p>
-            <a:pPr/>
-            <a:r>
-              <a:rPr b="1"/>
-              <a:t>Governance Optimization:</a:t>
-            </a:r>
-          </a:p>
-          <a:p>
-            <a:pPr lvl="1"/>
-            <a:r>
-              <a:t>Continuous policy refinement based on business requirements</a:t>
-            </a:r>
-          </a:p>
-          <a:p>
-            <a:pPr lvl="1"/>
-            <a:r>
-              <a:t>Enhanced cost optimization with Azure Advisor recommendations</a:t>
-            </a:r>
-          </a:p>
-          <a:p>
-            <a:pPr lvl="1"/>
-            <a:r>
-              <a:t>Advanced security monitoring with Azure Sentinel</a:t>
-            </a:r>
-          </a:p>
-          <a:p>
-            <a:pPr/>
-            <a:r>
-              <a:rPr b="1"/>
-              <a:t>Workload Migration:</a:t>
-            </a:r>
-          </a:p>
-          <a:p>
-            <a:pPr lvl="1"/>
-            <a:r>
-              <a:t>Begin systematic migration of applications to landing zone</a:t>
-            </a:r>
-          </a:p>
-          <a:p>
-            <a:pPr lvl="1"/>
-            <a:r>
-              <a:t>Implement application modernization roadmap</a:t>
-            </a:r>
-          </a:p>
-          <a:p>
-            <a:pPr lvl="1"/>
-            <a:r>
-              <a:t>Establish cloud-native development practices</a:t>
-            </a:r>
-          </a:p>
-        </p:txBody>
-      </p:sp>
-    </p:spTree>
-  </p:cSld>
-  <p:clrMapOvr>
-    <a:masterClrMapping/>
-  </p:clrMapOvr>
-</p:sld>
-</file>
-
-<file path=ppt/slides/slide21.xml><?xml version="1.0" encoding="utf-8"?>
-<p:sld xmlns:a="http://schemas.openxmlformats.org/drawingml/2006/main" xmlns:p="http://schemas.openxmlformats.org/presentationml/2006/main" xmlns:r="http://schemas.openxmlformats.org/officeDocument/2006/relationships">
-  <p:cSld>
-    <p:spTree>
-      <p:nvGrpSpPr>
-        <p:cNvPr id="1" name=""/>
-        <p:cNvGrpSpPr/>
-        <p:nvPr/>
-      </p:nvGrpSpPr>
-      <p:grpSpPr/>
-      <p:sp>
-        <p:nvSpPr>
-          <p:cNvPr id="2" name="Text Placeholder 1"/>
-          <p:cNvSpPr>
-            <a:spLocks noGrp="1"/>
-          </p:cNvSpPr>
-          <p:nvPr>
-            <p:ph type="body" idx="10" sz="quarter"/>
-          </p:nvPr>
-        </p:nvSpPr>
-        <p:spPr/>
-        <p:txBody>
-          <a:bodyPr/>
-          <a:lstStyle/>
-          <a:p>
-            <a:pPr algn="l"/>
-            <a:r>
-              <a:rPr b="1"/>
-              <a:t>**Slide 21: Future Cloud Enhancement Opportunities**</a:t>
+              <a:t>**Slide 8: Cloud Governance Features Delivered**</a:t>
             </a:r>
           </a:p>
         </p:txBody>
@@ -5412,7 +3853,7 @@
                             <a:srgbClr val="FFFFFF"/>
                           </a:solidFill>
                         </a:rPr>
-                        <a:t>Enhancement</a:t>
+                        <a:t>Feature</a:t>
                       </a:r>
                     </a:p>
                   </a:txBody>
@@ -5454,7 +3895,7 @@
                             <a:srgbClr val="FFFFFF"/>
                           </a:solidFill>
                         </a:rPr>
-                        <a:t>Complexity</a:t>
+                        <a:t>Compliance Impact</a:t>
                       </a:r>
                     </a:p>
                   </a:txBody>
@@ -5475,7 +3916,7 @@
                             <a:srgbClr val="FFFFFF"/>
                           </a:solidFill>
                         </a:rPr>
-                        <a:t>Timeline</a:t>
+                        <a:t>Implementation Complexity</a:t>
                       </a:r>
                     </a:p>
                   </a:txBody>
@@ -5496,7 +3937,7 @@
                             <a:srgbClr val="FFFFFF"/>
                           </a:solidFill>
                         </a:rPr>
-                        <a:t>Priority</a:t>
+                        <a:t>Status</a:t>
                       </a:r>
                     </a:p>
                   </a:txBody>
@@ -5515,75 +3956,75 @@
                     <a:p>
                       <a:r>
                         <a:rPr sz="1100"/>
-                        <a:t>Multi-Region Landing Zones</a:t>
-                      </a:r>
-                    </a:p>
-                  </a:txBody>
-                  <a:tcPr>
-                    <a:solidFill>
-                      <a:srgbClr val="E7E6E6"/>
-                    </a:solidFill>
-                  </a:tcPr>
-                </a:tc>
-                <a:tc>
-                  <a:txBody>
-                    <a:bodyPr/>
-                    <a:lstStyle/>
-                    <a:p>
-                      <a:r>
-                        <a:rPr sz="1100"/>
-                        <a:t>Global scalability and disaster recovery</a:t>
-                      </a:r>
-                    </a:p>
-                  </a:txBody>
-                  <a:tcPr>
-                    <a:solidFill>
-                      <a:srgbClr val="E7E6E6"/>
-                    </a:solidFill>
-                  </a:tcPr>
-                </a:tc>
-                <a:tc>
-                  <a:txBody>
-                    <a:bodyPr/>
-                    <a:lstStyle/>
-                    <a:p>
-                      <a:r>
-                        <a:rPr sz="1100"/>
-                        <a:t>High</a:t>
-                      </a:r>
-                    </a:p>
-                  </a:txBody>
-                  <a:tcPr>
-                    <a:solidFill>
-                      <a:srgbClr val="E7E6E6"/>
-                    </a:solidFill>
-                  </a:tcPr>
-                </a:tc>
-                <a:tc>
-                  <a:txBody>
-                    <a:bodyPr/>
-                    <a:lstStyle/>
-                    <a:p>
-                      <a:r>
-                        <a:rPr sz="1100"/>
-                        <a:t>6-12 months</a:t>
-                      </a:r>
-                    </a:p>
-                  </a:txBody>
-                  <a:tcPr>
-                    <a:solidFill>
-                      <a:srgbClr val="E7E6E6"/>
-                    </a:solidFill>
-                  </a:tcPr>
-                </a:tc>
-                <a:tc>
-                  <a:txBody>
-                    <a:bodyPr/>
-                    <a:lstStyle/>
-                    <a:p>
-                      <a:r>
-                        <a:rPr sz="1100"/>
-                        <a:t>High</a:t>
+                        <a:t>Azure Policy Framework</a:t>
+                      </a:r>
+                    </a:p>
+                  </a:txBody>
+                  <a:tcPr>
+                    <a:solidFill>
+                      <a:srgbClr val="E7E6E6"/>
+                    </a:solidFill>
+                  </a:tcPr>
+                </a:tc>
+                <a:tc>
+                  <a:txBody>
+                    <a:bodyPr/>
+                    <a:lstStyle/>
+                    <a:p>
+                      <a:r>
+                        <a:rPr sz="1100"/>
+                        <a:t>Automated compliance enforcement</a:t>
+                      </a:r>
+                    </a:p>
+                  </a:txBody>
+                  <a:tcPr>
+                    <a:solidFill>
+                      <a:srgbClr val="E7E6E6"/>
+                    </a:solidFill>
+                  </a:tcPr>
+                </a:tc>
+                <a:tc>
+                  <a:txBody>
+                    <a:bodyPr/>
+                    <a:lstStyle/>
+                    <a:p>
+                      <a:r>
+                        <a:rPr sz="1100"/>
+                        <a:t>99.8% policy compliance</a:t>
+                      </a:r>
+                    </a:p>
+                  </a:txBody>
+                  <a:tcPr>
+                    <a:solidFill>
+                      <a:srgbClr val="E7E6E6"/>
+                    </a:solidFill>
+                  </a:tcPr>
+                </a:tc>
+                <a:tc>
+                  <a:txBody>
+                    <a:bodyPr/>
+                    <a:lstStyle/>
+                    <a:p>
+                      <a:r>
+                        <a:rPr sz="1100"/>
+                        <a:t>High - Custom policy development</a:t>
+                      </a:r>
+                    </a:p>
+                  </a:txBody>
+                  <a:tcPr>
+                    <a:solidFill>
+                      <a:srgbClr val="E7E6E6"/>
+                    </a:solidFill>
+                  </a:tcPr>
+                </a:tc>
+                <a:tc>
+                  <a:txBody>
+                    <a:bodyPr/>
+                    <a:lstStyle/>
+                    <a:p>
+                      <a:r>
+                        <a:rPr sz="1100"/>
+                        <a:t>✅ Delivered</a:t>
                       </a:r>
                     </a:p>
                   </a:txBody>
@@ -5602,75 +4043,75 @@
                     <a:p>
                       <a:r>
                         <a:rPr sz="1100"/>
-                        <a:t>Azure DevOps Integration</a:t>
-                      </a:r>
-                    </a:p>
-                  </a:txBody>
-                  <a:tcPr>
-                    <a:solidFill>
-                      <a:srgbClr val="E7E6E6"/>
-                    </a:solidFill>
-                  </a:tcPr>
-                </a:tc>
-                <a:tc>
-                  <a:txBody>
-                    <a:bodyPr/>
-                    <a:lstStyle/>
-                    <a:p>
-                      <a:r>
-                        <a:rPr sz="1100"/>
-                        <a:t>Automated CI/CD with governance</a:t>
-                      </a:r>
-                    </a:p>
-                  </a:txBody>
-                  <a:tcPr>
-                    <a:solidFill>
-                      <a:srgbClr val="E7E6E6"/>
-                    </a:solidFill>
-                  </a:tcPr>
-                </a:tc>
-                <a:tc>
-                  <a:txBody>
-                    <a:bodyPr/>
-                    <a:lstStyle/>
-                    <a:p>
-                      <a:r>
-                        <a:rPr sz="1100"/>
-                        <a:t>Medium</a:t>
-                      </a:r>
-                    </a:p>
-                  </a:txBody>
-                  <a:tcPr>
-                    <a:solidFill>
-                      <a:srgbClr val="E7E6E6"/>
-                    </a:solidFill>
-                  </a:tcPr>
-                </a:tc>
-                <a:tc>
-                  <a:txBody>
-                    <a:bodyPr/>
-                    <a:lstStyle/>
-                    <a:p>
-                      <a:r>
-                        <a:rPr sz="1100"/>
-                        <a:t>3-6 months</a:t>
-                      </a:r>
-                    </a:p>
-                  </a:txBody>
-                  <a:tcPr>
-                    <a:solidFill>
-                      <a:srgbClr val="E7E6E6"/>
-                    </a:solidFill>
-                  </a:tcPr>
-                </a:tc>
-                <a:tc>
-                  <a:txBody>
-                    <a:bodyPr/>
-                    <a:lstStyle/>
-                    <a:p>
-                      <a:r>
-                        <a:rPr sz="1100"/>
-                        <a:t>High</a:t>
+                        <a:t>Cost Management &amp; Billing</a:t>
+                      </a:r>
+                    </a:p>
+                  </a:txBody>
+                  <a:tcPr>
+                    <a:solidFill>
+                      <a:srgbClr val="E7E6E6"/>
+                    </a:solidFill>
+                  </a:tcPr>
+                </a:tc>
+                <a:tc>
+                  <a:txBody>
+                    <a:bodyPr/>
+                    <a:lstStyle/>
+                    <a:p>
+                      <a:r>
+                        <a:rPr sz="1100"/>
+                        <a:t>40% cost optimization</a:t>
+                      </a:r>
+                    </a:p>
+                  </a:txBody>
+                  <a:tcPr>
+                    <a:solidFill>
+                      <a:srgbClr val="E7E6E6"/>
+                    </a:solidFill>
+                  </a:tcPr>
+                </a:tc>
+                <a:tc>
+                  <a:txBody>
+                    <a:bodyPr/>
+                    <a:lstStyle/>
+                    <a:p>
+                      <a:r>
+                        <a:rPr sz="1100"/>
+                        <a:t>Budget controls and alerts</a:t>
+                      </a:r>
+                    </a:p>
+                  </a:txBody>
+                  <a:tcPr>
+                    <a:solidFill>
+                      <a:srgbClr val="E7E6E6"/>
+                    </a:solidFill>
+                  </a:tcPr>
+                </a:tc>
+                <a:tc>
+                  <a:txBody>
+                    <a:bodyPr/>
+                    <a:lstStyle/>
+                    <a:p>
+                      <a:r>
+                        <a:rPr sz="1100"/>
+                        <a:t>Medium - Multi-subscription setup</a:t>
+                      </a:r>
+                    </a:p>
+                  </a:txBody>
+                  <a:tcPr>
+                    <a:solidFill>
+                      <a:srgbClr val="E7E6E6"/>
+                    </a:solidFill>
+                  </a:tcPr>
+                </a:tc>
+                <a:tc>
+                  <a:txBody>
+                    <a:bodyPr/>
+                    <a:lstStyle/>
+                    <a:p>
+                      <a:r>
+                        <a:rPr sz="1100"/>
+                        <a:t>✅ Delivered</a:t>
                       </a:r>
                     </a:p>
                   </a:txBody>
@@ -5689,75 +4130,75 @@
                     <a:p>
                       <a:r>
                         <a:rPr sz="1100"/>
-                        <a:t>Advanced Analytics Platform</a:t>
-                      </a:r>
-                    </a:p>
-                  </a:txBody>
-                  <a:tcPr>
-                    <a:solidFill>
-                      <a:srgbClr val="E7E6E6"/>
-                    </a:solidFill>
-                  </a:tcPr>
-                </a:tc>
-                <a:tc>
-                  <a:txBody>
-                    <a:bodyPr/>
-                    <a:lstStyle/>
-                    <a:p>
-                      <a:r>
-                        <a:rPr sz="1100"/>
-                        <a:t>Data-driven insights and AI capabilities</a:t>
-                      </a:r>
-                    </a:p>
-                  </a:txBody>
-                  <a:tcPr>
-                    <a:solidFill>
-                      <a:srgbClr val="E7E6E6"/>
-                    </a:solidFill>
-                  </a:tcPr>
-                </a:tc>
-                <a:tc>
-                  <a:txBody>
-                    <a:bodyPr/>
-                    <a:lstStyle/>
-                    <a:p>
-                      <a:r>
-                        <a:rPr sz="1100"/>
-                        <a:t>High</a:t>
-                      </a:r>
-                    </a:p>
-                  </a:txBody>
-                  <a:tcPr>
-                    <a:solidFill>
-                      <a:srgbClr val="E7E6E6"/>
-                    </a:solidFill>
-                  </a:tcPr>
-                </a:tc>
-                <a:tc>
-                  <a:txBody>
-                    <a:bodyPr/>
-                    <a:lstStyle/>
-                    <a:p>
-                      <a:r>
-                        <a:rPr sz="1100"/>
-                        <a:t>9-15 months</a:t>
-                      </a:r>
-                    </a:p>
-                  </a:txBody>
-                  <a:tcPr>
-                    <a:solidFill>
-                      <a:srgbClr val="E7E6E6"/>
-                    </a:solidFill>
-                  </a:tcPr>
-                </a:tc>
-                <a:tc>
-                  <a:txBody>
-                    <a:bodyPr/>
-                    <a:lstStyle/>
-                    <a:p>
-                      <a:r>
-                        <a:rPr sz="1100"/>
-                        <a:t>Medium</a:t>
+                        <a:t>Resource Tagging Strategy</a:t>
+                      </a:r>
+                    </a:p>
+                  </a:txBody>
+                  <a:tcPr>
+                    <a:solidFill>
+                      <a:srgbClr val="E7E6E6"/>
+                    </a:solidFill>
+                  </a:tcPr>
+                </a:tc>
+                <a:tc>
+                  <a:txBody>
+                    <a:bodyPr/>
+                    <a:lstStyle/>
+                    <a:p>
+                      <a:r>
+                        <a:rPr sz="1100"/>
+                        <a:t>Complete resource governance</a:t>
+                      </a:r>
+                    </a:p>
+                  </a:txBody>
+                  <a:tcPr>
+                    <a:solidFill>
+                      <a:srgbClr val="E7E6E6"/>
+                    </a:solidFill>
+                  </a:tcPr>
+                </a:tc>
+                <a:tc>
+                  <a:txBody>
+                    <a:bodyPr/>
+                    <a:lstStyle/>
+                    <a:p>
+                      <a:r>
+                        <a:rPr sz="1100"/>
+                        <a:t>100% resource visibility</a:t>
+                      </a:r>
+                    </a:p>
+                  </a:txBody>
+                  <a:tcPr>
+                    <a:solidFill>
+                      <a:srgbClr val="E7E6E6"/>
+                    </a:solidFill>
+                  </a:tcPr>
+                </a:tc>
+                <a:tc>
+                  <a:txBody>
+                    <a:bodyPr/>
+                    <a:lstStyle/>
+                    <a:p>
+                      <a:r>
+                        <a:rPr sz="1100"/>
+                        <a:t>Medium - Automated tagging</a:t>
+                      </a:r>
+                    </a:p>
+                  </a:txBody>
+                  <a:tcPr>
+                    <a:solidFill>
+                      <a:srgbClr val="E7E6E6"/>
+                    </a:solidFill>
+                  </a:tcPr>
+                </a:tc>
+                <a:tc>
+                  <a:txBody>
+                    <a:bodyPr/>
+                    <a:lstStyle/>
+                    <a:p>
+                      <a:r>
+                        <a:rPr sz="1100"/>
+                        <a:t>✅ Delivered</a:t>
                       </a:r>
                     </a:p>
                   </a:txBody>
@@ -5776,7 +4217,7 @@
                     <a:p>
                       <a:r>
                         <a:rPr b="1" sz="1100"/>
-                        <a:t>Edge Computing Integration</a:t>
+                        <a:t>Security Center Integration</a:t>
                       </a:r>
                     </a:p>
                   </a:txBody>
@@ -5793,7 +4234,7 @@
                     <a:p>
                       <a:r>
                         <a:rPr b="1" sz="1100"/>
-                        <a:t>IoT and edge workload support</a:t>
+                        <a:t>Centralized security management</a:t>
                       </a:r>
                     </a:p>
                   </a:txBody>
@@ -5810,7 +4251,7 @@
                     <a:p>
                       <a:r>
                         <a:rPr b="1" sz="1100"/>
-                        <a:t>Medium</a:t>
+                        <a:t>Enhanced security posture</a:t>
                       </a:r>
                     </a:p>
                   </a:txBody>
@@ -5827,7 +4268,7 @@
                     <a:p>
                       <a:r>
                         <a:rPr b="1" sz="1100"/>
-                        <a:t>6-9 months</a:t>
+                        <a:t>Medium - Cross-subscription security</a:t>
                       </a:r>
                     </a:p>
                   </a:txBody>
@@ -5844,7 +4285,7 @@
                     <a:p>
                       <a:r>
                         <a:rPr b="1" sz="1100"/>
-                        <a:t>Medium</a:t>
+                        <a:t>✅ Delivered</a:t>
                       </a:r>
                     </a:p>
                   </a:txBody>
@@ -5859,1791 +4300,6 @@
           </a:graphicData>
         </a:graphic>
       </p:graphicFrame>
-    </p:spTree>
-  </p:cSld>
-  <p:clrMapOvr>
-    <a:masterClrMapping/>
-  </p:clrMapOvr>
-</p:sld>
-</file>
-
-<file path=ppt/slides/slide22.xml><?xml version="1.0" encoding="utf-8"?>
-<p:sld xmlns:a="http://schemas.openxmlformats.org/drawingml/2006/main" xmlns:p="http://schemas.openxmlformats.org/presentationml/2006/main" xmlns:r="http://schemas.openxmlformats.org/officeDocument/2006/relationships">
-  <p:cSld>
-    <p:spTree>
-      <p:nvGrpSpPr>
-        <p:cNvPr id="1" name=""/>
-        <p:cNvGrpSpPr/>
-        <p:nvPr/>
-      </p:nvGrpSpPr>
-      <p:grpSpPr/>
-      <p:sp>
-        <p:nvSpPr>
-          <p:cNvPr id="2" name="Text Placeholder 1"/>
-          <p:cNvSpPr>
-            <a:spLocks noGrp="1"/>
-          </p:cNvSpPr>
-          <p:nvPr>
-            <p:ph type="body" idx="10" sz="quarter"/>
-          </p:nvPr>
-        </p:nvSpPr>
-        <p:spPr/>
-        <p:txBody>
-          <a:bodyPr/>
-          <a:lstStyle/>
-          <a:p>
-            <a:r>
-              <a:t>**Slide 22: Transition to Cloud Operations**</a:t>
-            </a:r>
-          </a:p>
-        </p:txBody>
-      </p:sp>
-      <p:sp>
-        <p:nvSpPr>
-          <p:cNvPr id="3" name="Picture Placeholder 2"/>
-          <p:cNvSpPr>
-            <a:spLocks noGrp="1"/>
-          </p:cNvSpPr>
-          <p:nvPr>
-            <p:ph type="pic" idx="13" sz="quarter"/>
-          </p:nvPr>
-        </p:nvSpPr>
-        <p:spPr/>
-      </p:sp>
-      <p:sp>
-        <p:nvSpPr>
-          <p:cNvPr id="4" name="Text Placeholder 3"/>
-          <p:cNvSpPr>
-            <a:spLocks noGrp="1"/>
-          </p:cNvSpPr>
-          <p:nvPr>
-            <p:ph type="body" idx="14" sz="quarter"/>
-          </p:nvPr>
-        </p:nvSpPr>
-        <p:spPr/>
-        <p:txBody>
-          <a:bodyPr/>
-          <a:lstStyle/>
-          <a:p>
-            <a:pPr/>
-            <a:r>
-              <a:rPr b="1"/>
-              <a:t>Cloud Operations Handover:</a:t>
-            </a:r>
-            <a:r>
-              <a:t> Complete transition to cloud operations and governance teams</a:t>
-            </a:r>
-          </a:p>
-          <a:p>
-            <a:pPr/>
-            <a:r>
-              <a:rPr b="1"/>
-              <a:t>Workload Migration Planning:</a:t>
-            </a:r>
-            <a:r>
-              <a:t> Systematic application assessment and migration roadmap</a:t>
-            </a:r>
-          </a:p>
-          <a:p>
-            <a:pPr/>
-            <a:r>
-              <a:rPr b="1"/>
-              <a:t>Continuous Governance:</a:t>
-            </a:r>
-            <a:r>
-              <a:t> Ongoing policy management and compliance monitoring</a:t>
-            </a:r>
-          </a:p>
-          <a:p>
-            <a:pPr/>
-            <a:r>
-              <a:rPr b="1"/>
-              <a:t>Cost Optimization:</a:t>
-            </a:r>
-            <a:r>
-              <a:t> Regular cost reviews and optimization initiatives</a:t>
-            </a:r>
-          </a:p>
-          <a:p>
-            <a:pPr/>
-            <a:r>
-              <a:rPr b="1"/>
-              <a:t>Innovation Enablement:</a:t>
-            </a:r>
-            <a:r>
-              <a:t> Support for emerging technology adoption within governance framework</a:t>
-            </a:r>
-          </a:p>
-        </p:txBody>
-      </p:sp>
-    </p:spTree>
-  </p:cSld>
-  <p:clrMapOvr>
-    <a:masterClrMapping/>
-  </p:clrMapOvr>
-</p:sld>
-</file>
-
-<file path=ppt/slides/slide23.xml><?xml version="1.0" encoding="utf-8"?>
-<p:sld xmlns:a="http://schemas.openxmlformats.org/drawingml/2006/main" xmlns:p="http://schemas.openxmlformats.org/presentationml/2006/main" xmlns:r="http://schemas.openxmlformats.org/officeDocument/2006/relationships">
-  <p:cSld>
-    <p:spTree>
-      <p:nvGrpSpPr>
-        <p:cNvPr id="1" name=""/>
-        <p:cNvGrpSpPr/>
-        <p:nvPr/>
-      </p:nvGrpSpPr>
-      <p:grpSpPr/>
-      <p:sp>
-        <p:nvSpPr>
-          <p:cNvPr id="2" name="Text Placeholder 1"/>
-          <p:cNvSpPr>
-            <a:spLocks noGrp="1"/>
-          </p:cNvSpPr>
-          <p:nvPr>
-            <p:ph type="body" idx="10" sz="quarter"/>
-          </p:nvPr>
-        </p:nvSpPr>
-        <p:spPr/>
-        <p:txBody>
-          <a:bodyPr/>
-          <a:lstStyle/>
-          <a:p>
-            <a:r>
-              <a:t>**Slide 23: Cloud Foundation Core Team**</a:t>
-            </a:r>
-          </a:p>
-        </p:txBody>
-      </p:sp>
-      <p:sp>
-        <p:nvSpPr>
-          <p:cNvPr id="3" name="Picture Placeholder 2"/>
-          <p:cNvSpPr>
-            <a:spLocks noGrp="1"/>
-          </p:cNvSpPr>
-          <p:nvPr>
-            <p:ph type="pic" idx="13" sz="quarter"/>
-          </p:nvPr>
-        </p:nvSpPr>
-        <p:spPr/>
-      </p:sp>
-      <p:sp>
-        <p:nvSpPr>
-          <p:cNvPr id="4" name="Text Placeholder 3"/>
-          <p:cNvSpPr>
-            <a:spLocks noGrp="1"/>
-          </p:cNvSpPr>
-          <p:nvPr>
-            <p:ph type="body" idx="14" sz="quarter"/>
-          </p:nvPr>
-        </p:nvSpPr>
-        <p:spPr/>
-        <p:txBody>
-          <a:bodyPr/>
-          <a:lstStyle/>
-          <a:p>
-            <a:pPr/>
-            <a:r>
-              <a:rPr b="1"/>
-              <a:t>Project Manager:</a:t>
-            </a:r>
-            <a:r>
-              <a:t> [Name] - Successful enterprise cloud foundation delivery</a:t>
-            </a:r>
-          </a:p>
-          <a:p>
-            <a:pPr/>
-            <a:r>
-              <a:rPr b="1"/>
-              <a:t>Cloud Architect:</a:t>
-            </a:r>
-            <a:r>
-              <a:t> [Name] - Azure Landing Zone design and implementation excellence</a:t>
-            </a:r>
-          </a:p>
-          <a:p>
-            <a:pPr/>
-            <a:r>
-              <a:rPr b="1"/>
-              <a:t>Governance Lead:</a:t>
-            </a:r>
-            <a:r>
-              <a:t> [Name] - Comprehensive policy framework and compliance achievement</a:t>
-            </a:r>
-          </a:p>
-          <a:p>
-            <a:pPr/>
-            <a:r>
-              <a:rPr b="1"/>
-              <a:t>Network Architect:</a:t>
-            </a:r>
-            <a:r>
-              <a:t> [Name] - Secure and scalable network foundation</a:t>
-            </a:r>
-          </a:p>
-          <a:p>
-            <a:pPr/>
-            <a:r>
-              <a:rPr b="1"/>
-              <a:t>Security Architect:</a:t>
-            </a:r>
-            <a:r>
-              <a:t> [Name] - Zero trust security architecture implementation</a:t>
-            </a:r>
-          </a:p>
-          <a:p>
-            <a:pPr/>
-            <a:r>
-              <a:rPr b="1"/>
-              <a:t>FinOps Specialist:</a:t>
-            </a:r>
-            <a:r>
-              <a:t> [Name] - Cost optimization and governance framework</a:t>
-            </a:r>
-          </a:p>
-        </p:txBody>
-      </p:sp>
-    </p:spTree>
-  </p:cSld>
-  <p:clrMapOvr>
-    <a:masterClrMapping/>
-  </p:clrMapOvr>
-</p:sld>
-</file>
-
-<file path=ppt/slides/slide24.xml><?xml version="1.0" encoding="utf-8"?>
-<p:sld xmlns:a="http://schemas.openxmlformats.org/drawingml/2006/main" xmlns:p="http://schemas.openxmlformats.org/presentationml/2006/main" xmlns:r="http://schemas.openxmlformats.org/officeDocument/2006/relationships">
-  <p:cSld>
-    <p:spTree>
-      <p:nvGrpSpPr>
-        <p:cNvPr id="1" name=""/>
-        <p:cNvGrpSpPr/>
-        <p:nvPr/>
-      </p:nvGrpSpPr>
-      <p:grpSpPr/>
-      <p:sp>
-        <p:nvSpPr>
-          <p:cNvPr id="2" name="Text Placeholder 1"/>
-          <p:cNvSpPr>
-            <a:spLocks noGrp="1"/>
-          </p:cNvSpPr>
-          <p:nvPr>
-            <p:ph type="body" idx="10" sz="quarter"/>
-          </p:nvPr>
-        </p:nvSpPr>
-        <p:spPr/>
-        <p:txBody>
-          <a:bodyPr/>
-          <a:lstStyle/>
-          <a:p>
-            <a:r>
-              <a:t>**Slide 24: Extended Cloud Team Recognition**</a:t>
-            </a:r>
-          </a:p>
-        </p:txBody>
-      </p:sp>
-      <p:sp>
-        <p:nvSpPr>
-          <p:cNvPr id="3" name="Picture Placeholder 2"/>
-          <p:cNvSpPr>
-            <a:spLocks noGrp="1"/>
-          </p:cNvSpPr>
-          <p:nvPr>
-            <p:ph type="pic" idx="13" sz="quarter"/>
-          </p:nvPr>
-        </p:nvSpPr>
-        <p:spPr/>
-      </p:sp>
-      <p:sp>
-        <p:nvSpPr>
-          <p:cNvPr id="4" name="Text Placeholder 3"/>
-          <p:cNvSpPr>
-            <a:spLocks noGrp="1"/>
-          </p:cNvSpPr>
-          <p:nvPr>
-            <p:ph type="body" idx="14" sz="quarter"/>
-          </p:nvPr>
-        </p:nvSpPr>
-        <p:spPr/>
-        <p:txBody>
-          <a:bodyPr/>
-          <a:lstStyle/>
-          <a:p>
-            <a:pPr/>
-            <a:r>
-              <a:rPr b="1"/>
-              <a:t>Microsoft Professional Services:</a:t>
-            </a:r>
-            <a:r>
-              <a:t> Expert guidance on Azure Landing Zone best practices</a:t>
-            </a:r>
-          </a:p>
-          <a:p>
-            <a:pPr/>
-            <a:r>
-              <a:rPr b="1"/>
-              <a:t>Business Unit Leaders:</a:t>
-            </a:r>
-            <a:r>
-              <a:t> Active participation in cloud governance design</a:t>
-            </a:r>
-          </a:p>
-          <a:p>
-            <a:pPr/>
-            <a:r>
-              <a:rPr b="1"/>
-              <a:t>Infrastructure Operations Team:</a:t>
-            </a:r>
-            <a:r>
-              <a:t> Smooth transition to cloud operations model</a:t>
-            </a:r>
-          </a:p>
-          <a:p>
-            <a:pPr/>
-            <a:r>
-              <a:rPr b="1"/>
-              <a:t>Application Teams:</a:t>
-            </a:r>
-            <a:r>
-              <a:t> Cooperation in landing zone validation and testing</a:t>
-            </a:r>
-          </a:p>
-          <a:p>
-            <a:pPr/>
-            <a:r>
-              <a:rPr b="1"/>
-              <a:t>Executive Cloud Sponsors:</a:t>
-            </a:r>
-            <a:r>
-              <a:t> Vision and support for enterprise cloud transformation</a:t>
-            </a:r>
-          </a:p>
-        </p:txBody>
-      </p:sp>
-    </p:spTree>
-  </p:cSld>
-  <p:clrMapOvr>
-    <a:masterClrMapping/>
-  </p:clrMapOvr>
-</p:sld>
-</file>
-
-<file path=ppt/slides/slide25.xml><?xml version="1.0" encoding="utf-8"?>
-<p:sld xmlns:a="http://schemas.openxmlformats.org/drawingml/2006/main" xmlns:p="http://schemas.openxmlformats.org/presentationml/2006/main" xmlns:r="http://schemas.openxmlformats.org/officeDocument/2006/relationships">
-  <p:cSld>
-    <p:spTree>
-      <p:nvGrpSpPr>
-        <p:cNvPr id="1" name=""/>
-        <p:cNvGrpSpPr/>
-        <p:nvPr/>
-      </p:nvGrpSpPr>
-      <p:grpSpPr/>
-      <p:sp>
-        <p:nvSpPr>
-          <p:cNvPr id="2" name="Text Placeholder 1"/>
-          <p:cNvSpPr>
-            <a:spLocks noGrp="1"/>
-          </p:cNvSpPr>
-          <p:nvPr>
-            <p:ph type="body" idx="10" sz="quarter"/>
-          </p:nvPr>
-        </p:nvSpPr>
-        <p:spPr/>
-        <p:txBody>
-          <a:bodyPr/>
-          <a:lstStyle/>
-          <a:p>
-            <a:r>
-              <a:t>**Slide 25: Cloud Innovation Success Factors**</a:t>
-            </a:r>
-          </a:p>
-        </p:txBody>
-      </p:sp>
-      <p:sp>
-        <p:nvSpPr>
-          <p:cNvPr id="3" name="Picture Placeholder 2"/>
-          <p:cNvSpPr>
-            <a:spLocks noGrp="1"/>
-          </p:cNvSpPr>
-          <p:nvPr>
-            <p:ph type="pic" idx="13" sz="quarter"/>
-          </p:nvPr>
-        </p:nvSpPr>
-        <p:spPr/>
-      </p:sp>
-      <p:sp>
-        <p:nvSpPr>
-          <p:cNvPr id="4" name="Text Placeholder 3"/>
-          <p:cNvSpPr>
-            <a:spLocks noGrp="1"/>
-          </p:cNvSpPr>
-          <p:nvPr>
-            <p:ph type="body" idx="14" sz="quarter"/>
-          </p:nvPr>
-        </p:nvSpPr>
-        <p:spPr/>
-        <p:txBody>
-          <a:bodyPr/>
-          <a:lstStyle/>
-          <a:p>
-            <a:pPr/>
-            <a:r>
-              <a:rPr b="1"/>
-              <a:t>Cloud Expertise:</a:t>
-            </a:r>
-            <a:r>
-              <a:t> Deep Azure architecture and governance knowledge</a:t>
-            </a:r>
-          </a:p>
-          <a:p>
-            <a:pPr/>
-            <a:r>
-              <a:rPr b="1"/>
-              <a:t>Enterprise Thinking:</a:t>
-            </a:r>
-            <a:r>
-              <a:t> Focus on scalable, enterprise-grade solutions</a:t>
-            </a:r>
-          </a:p>
-          <a:p>
-            <a:pPr/>
-            <a:r>
-              <a:rPr b="1"/>
-              <a:t>Collaborative Approach:</a:t>
-            </a:r>
-            <a:r>
-              <a:t> Strong cross-functional teamwork and communication</a:t>
-            </a:r>
-          </a:p>
-          <a:p>
-            <a:pPr/>
-            <a:r>
-              <a:rPr b="1"/>
-              <a:t>Innovation Mindset:</a:t>
-            </a:r>
-            <a:r>
-              <a:t> Balance between governance and business agility</a:t>
-            </a:r>
-          </a:p>
-          <a:p>
-            <a:pPr/>
-            <a:r>
-              <a:rPr b="1"/>
-              <a:t>Continuous Learning:</a:t>
-            </a:r>
-            <a:r>
-              <a:t> Commitment to cloud best practices and optimization</a:t>
-            </a:r>
-          </a:p>
-        </p:txBody>
-      </p:sp>
-    </p:spTree>
-  </p:cSld>
-  <p:clrMapOvr>
-    <a:masterClrMapping/>
-  </p:clrMapOvr>
-</p:sld>
-</file>
-
-<file path=ppt/slides/slide26.xml><?xml version="1.0" encoding="utf-8"?>
-<p:sld xmlns:a="http://schemas.openxmlformats.org/drawingml/2006/main" xmlns:p="http://schemas.openxmlformats.org/presentationml/2006/main" xmlns:r="http://schemas.openxmlformats.org/officeDocument/2006/relationships">
-  <p:cSld>
-    <p:spTree>
-      <p:nvGrpSpPr>
-        <p:cNvPr id="1" name=""/>
-        <p:cNvGrpSpPr/>
-        <p:nvPr/>
-      </p:nvGrpSpPr>
-      <p:grpSpPr/>
-      <p:sp>
-        <p:nvSpPr>
-          <p:cNvPr id="2" name="Text Placeholder 1"/>
-          <p:cNvSpPr>
-            <a:spLocks noGrp="1"/>
-          </p:cNvSpPr>
-          <p:nvPr>
-            <p:ph type="body" idx="10" sz="quarter"/>
-          </p:nvPr>
-        </p:nvSpPr>
-        <p:spPr/>
-        <p:txBody>
-          <a:bodyPr/>
-          <a:lstStyle/>
-          <a:p>
-            <a:r>
-              <a:t>**Slide 26: Cloud Foundation Project Success Declaration**</a:t>
-            </a:r>
-          </a:p>
-        </p:txBody>
-      </p:sp>
-      <p:sp>
-        <p:nvSpPr>
-          <p:cNvPr id="3" name="Picture Placeholder 2"/>
-          <p:cNvSpPr>
-            <a:spLocks noGrp="1"/>
-          </p:cNvSpPr>
-          <p:nvPr>
-            <p:ph type="pic" idx="13" sz="quarter"/>
-          </p:nvPr>
-        </p:nvSpPr>
-        <p:spPr/>
-      </p:sp>
-      <p:sp>
-        <p:nvSpPr>
-          <p:cNvPr id="4" name="Text Placeholder 3"/>
-          <p:cNvSpPr>
-            <a:spLocks noGrp="1"/>
-          </p:cNvSpPr>
-          <p:nvPr>
-            <p:ph type="body" idx="14" sz="quarter"/>
-          </p:nvPr>
-        </p:nvSpPr>
-        <p:spPr/>
-        <p:txBody>
-          <a:bodyPr/>
-          <a:lstStyle/>
-          <a:p>
-            <a:pPr/>
-            <a:r>
-              <a:rPr b="1"/>
-              <a:t>Cloud Objectives Achieved:</a:t>
-            </a:r>
-            <a:r>
-              <a:t> Enterprise-grade Azure foundation with 99.8% compliance</a:t>
-            </a:r>
-          </a:p>
-          <a:p>
-            <a:pPr/>
-            <a:r>
-              <a:rPr b="1"/>
-              <a:t>Business Value Delivered:</a:t>
-            </a:r>
-            <a:r>
-              <a:t> 310% ROI with 40% cost optimization achieved</a:t>
-            </a:r>
-          </a:p>
-          <a:p>
-            <a:pPr/>
-            <a:r>
-              <a:rPr b="1"/>
-              <a:t>Technical Excellence:</a:t>
-            </a:r>
-            <a:r>
-              <a:t> Production-ready landing zone supporting 10+ business units</a:t>
-            </a:r>
-          </a:p>
-          <a:p>
-            <a:pPr/>
-            <a:r>
-              <a:rPr b="1"/>
-              <a:t>Governance Success:</a:t>
-            </a:r>
-            <a:r>
-              <a:t> Industry-leading security and compliance posture</a:t>
-            </a:r>
-          </a:p>
-          <a:p>
-            <a:pPr/>
-            <a:r>
-              <a:rPr b="1"/>
-              <a:t>On-Time Delivery:</a:t>
-            </a:r>
-            <a:r>
-              <a:t> Delivered enterprise cloud foundation on schedule</a:t>
-            </a:r>
-          </a:p>
-        </p:txBody>
-      </p:sp>
-    </p:spTree>
-  </p:cSld>
-  <p:clrMapOvr>
-    <a:masterClrMapping/>
-  </p:clrMapOvr>
-</p:sld>
-</file>
-
-<file path=ppt/slides/slide27.xml><?xml version="1.0" encoding="utf-8"?>
-<p:sld xmlns:a="http://schemas.openxmlformats.org/drawingml/2006/main" xmlns:p="http://schemas.openxmlformats.org/presentationml/2006/main" xmlns:r="http://schemas.openxmlformats.org/officeDocument/2006/relationships">
-  <p:cSld>
-    <p:spTree>
-      <p:nvGrpSpPr>
-        <p:cNvPr id="1" name=""/>
-        <p:cNvGrpSpPr/>
-        <p:nvPr/>
-      </p:nvGrpSpPr>
-      <p:grpSpPr/>
-      <p:sp>
-        <p:nvSpPr>
-          <p:cNvPr id="2" name="Text Placeholder 1"/>
-          <p:cNvSpPr>
-            <a:spLocks noGrp="1"/>
-          </p:cNvSpPr>
-          <p:nvPr>
-            <p:ph type="body" idx="10" sz="quarter"/>
-          </p:nvPr>
-        </p:nvSpPr>
-        <p:spPr/>
-        <p:txBody>
-          <a:bodyPr/>
-          <a:lstStyle/>
-          <a:p>
-            <a:r>
-              <a:t>**Slide 27: Azure Landing Zone Project Closure**</a:t>
-            </a:r>
-          </a:p>
-        </p:txBody>
-      </p:sp>
-      <p:sp>
-        <p:nvSpPr>
-          <p:cNvPr id="3" name="Picture Placeholder 2"/>
-          <p:cNvSpPr>
-            <a:spLocks noGrp="1"/>
-          </p:cNvSpPr>
-          <p:nvPr>
-            <p:ph type="pic" idx="13" sz="quarter"/>
-          </p:nvPr>
-        </p:nvSpPr>
-        <p:spPr/>
-      </p:sp>
-      <p:sp>
-        <p:nvSpPr>
-          <p:cNvPr id="4" name="Text Placeholder 3"/>
-          <p:cNvSpPr>
-            <a:spLocks noGrp="1"/>
-          </p:cNvSpPr>
-          <p:nvPr>
-            <p:ph type="body" idx="14" sz="quarter"/>
-          </p:nvPr>
-        </p:nvSpPr>
-        <p:spPr/>
-        <p:txBody>
-          <a:bodyPr/>
-          <a:lstStyle/>
-          <a:p>
-            <a:pPr/>
-            <a:r>
-              <a:rPr b="1"/>
-              <a:t>Cloud Foundation Operational:</a:t>
-            </a:r>
-            <a:r>
-              <a:t> Production Azure Landing Zone supporting enterprise workloads</a:t>
-            </a:r>
-          </a:p>
-          <a:p>
-            <a:pPr/>
-            <a:r>
-              <a:rPr b="1"/>
-              <a:t>Governance Framework Active:</a:t>
-            </a:r>
-            <a:r>
-              <a:t> Automated compliance and cost management operational</a:t>
-            </a:r>
-          </a:p>
-          <a:p>
-            <a:pPr/>
-            <a:r>
-              <a:rPr b="1"/>
-              <a:t>Knowledge Transfer Complete:</a:t>
-            </a:r>
-            <a:r>
-              <a:t> Cloud operations team fully trained and equipped</a:t>
-            </a:r>
-          </a:p>
-          <a:p>
-            <a:pPr/>
-            <a:r>
-              <a:rPr b="1"/>
-              <a:t>Documentation Complete:</a:t>
-            </a:r>
-            <a:r>
-              <a:t> Comprehensive cloud architecture and governance documentation</a:t>
-            </a:r>
-          </a:p>
-          <a:p>
-            <a:pPr/>
-            <a:r>
-              <a:rPr b="1"/>
-              <a:t>Lessons Captured:</a:t>
-            </a:r>
-            <a:r>
-              <a:t> Best practices documented for ongoing cloud transformation</a:t>
-            </a:r>
-          </a:p>
-        </p:txBody>
-      </p:sp>
-    </p:spTree>
-  </p:cSld>
-  <p:clrMapOvr>
-    <a:masterClrMapping/>
-  </p:clrMapOvr>
-</p:sld>
-</file>
-
-<file path=ppt/slides/slide28.xml><?xml version="1.0" encoding="utf-8"?>
-<p:sld xmlns:a="http://schemas.openxmlformats.org/drawingml/2006/main" xmlns:p="http://schemas.openxmlformats.org/presentationml/2006/main" xmlns:r="http://schemas.openxmlformats.org/officeDocument/2006/relationships">
-  <p:cSld>
-    <p:spTree>
-      <p:nvGrpSpPr>
-        <p:cNvPr id="1" name=""/>
-        <p:cNvGrpSpPr/>
-        <p:nvPr/>
-      </p:nvGrpSpPr>
-      <p:grpSpPr/>
-      <p:sp>
-        <p:nvSpPr>
-          <p:cNvPr id="2" name="Picture Placeholder 1"/>
-          <p:cNvSpPr>
-            <a:spLocks noGrp="1"/>
-          </p:cNvSpPr>
-          <p:nvPr>
-            <p:ph type="pic" idx="10" sz="quarter"/>
-          </p:nvPr>
-        </p:nvSpPr>
-        <p:spPr/>
-      </p:sp>
-      <p:sp>
-        <p:nvSpPr>
-          <p:cNvPr id="3" name="Text Placeholder 2"/>
-          <p:cNvSpPr>
-            <a:spLocks noGrp="1"/>
-          </p:cNvSpPr>
-          <p:nvPr>
-            <p:ph type="body" idx="12" sz="quarter"/>
-          </p:nvPr>
-        </p:nvSpPr>
-        <p:spPr/>
-        <p:txBody>
-          <a:bodyPr/>
-          <a:lstStyle/>
-          <a:p>
-            <a:r>
-              <a:t>**Slide 28: Thank You and Q&amp;A**</a:t>
-            </a:r>
-          </a:p>
-        </p:txBody>
-      </p:sp>
-      <p:sp>
-        <p:nvSpPr>
-          <p:cNvPr id="4" name="Picture Placeholder 3"/>
-          <p:cNvSpPr>
-            <a:spLocks noGrp="1"/>
-          </p:cNvSpPr>
-          <p:nvPr>
-            <p:ph type="pic" idx="13" sz="quarter"/>
-          </p:nvPr>
-        </p:nvSpPr>
-        <p:spPr/>
-      </p:sp>
-      <p:sp>
-        <p:nvSpPr>
-          <p:cNvPr id="5" name="Text Placeholder 4"/>
-          <p:cNvSpPr>
-            <a:spLocks noGrp="1"/>
-          </p:cNvSpPr>
-          <p:nvPr>
-            <p:ph type="body" idx="14" sz="quarter"/>
-          </p:nvPr>
-        </p:nvSpPr>
-        <p:spPr/>
-        <p:txBody>
-          <a:bodyPr/>
-          <a:lstStyle/>
-          <a:p/>
-        </p:txBody>
-      </p:sp>
-      <p:sp>
-        <p:nvSpPr>
-          <p:cNvPr id="6" name="Text Placeholder 5"/>
-          <p:cNvSpPr>
-            <a:spLocks noGrp="1"/>
-          </p:cNvSpPr>
-          <p:nvPr>
-            <p:ph type="body" idx="15" sz="quarter"/>
-          </p:nvPr>
-        </p:nvSpPr>
-        <p:spPr/>
-        <p:txBody>
-          <a:bodyPr/>
-          <a:lstStyle/>
-          <a:p>
-            <a:pPr/>
-            <a:r>
-              <a:rPr b="1"/>
-              <a:t>Appreciation:</a:t>
-            </a:r>
-            <a:r>
-              <a:t> Thank you for supporting our enterprise cloud transformation</a:t>
-            </a:r>
-          </a:p>
-          <a:p>
-            <a:pPr/>
-            <a:r>
-              <a:rPr b="1"/>
-              <a:t>Cloud Foundation Contact:</a:t>
-            </a:r>
-            <a:r>
-              <a:t> [Future support and enhancement contact details]</a:t>
-            </a:r>
-          </a:p>
-          <a:p>
-            <a:pPr/>
-            <a:r>
-              <a:rPr b="1"/>
-              <a:t>Q&amp;A Session:</a:t>
-            </a:r>
-            <a:r>
-              <a:t> Questions about Azure Landing Zone implementation</a:t>
-            </a:r>
-          </a:p>
-          <a:p>
-            <a:pPr/>
-            <a:r>
-              <a:rPr b="1"/>
-              <a:t>Cloud Strategy:</a:t>
-            </a:r>
-            <a:r>
-              <a:t> Next steps in our enterprise cloud adoption journey</a:t>
-            </a:r>
-          </a:p>
-        </p:txBody>
-      </p:sp>
-    </p:spTree>
-  </p:cSld>
-  <p:clrMapOvr>
-    <a:masterClrMapping/>
-  </p:clrMapOvr>
-</p:sld>
-</file>
-
-<file path=ppt/slides/slide29.xml><?xml version="1.0" encoding="utf-8"?>
-<p:sld xmlns:a="http://schemas.openxmlformats.org/drawingml/2006/main" xmlns:p="http://schemas.openxmlformats.org/presentationml/2006/main" xmlns:r="http://schemas.openxmlformats.org/officeDocument/2006/relationships">
-  <p:cSld>
-    <p:spTree>
-      <p:nvGrpSpPr>
-        <p:cNvPr id="1" name=""/>
-        <p:cNvGrpSpPr/>
-        <p:nvPr/>
-      </p:nvGrpSpPr>
-      <p:grpSpPr/>
-      <p:sp>
-        <p:nvSpPr>
-          <p:cNvPr id="2" name="Text Placeholder 1"/>
-          <p:cNvSpPr>
-            <a:spLocks noGrp="1"/>
-          </p:cNvSpPr>
-          <p:nvPr>
-            <p:ph type="body" idx="10" sz="quarter"/>
-          </p:nvPr>
-        </p:nvSpPr>
-        <p:spPr/>
-        <p:txBody>
-          <a:bodyPr/>
-          <a:lstStyle/>
-          <a:p>
-            <a:r>
-              <a:t>**Preparation Checklist**</a:t>
-            </a:r>
-          </a:p>
-        </p:txBody>
-      </p:sp>
-      <p:sp>
-        <p:nvSpPr>
-          <p:cNvPr id="3" name="Picture Placeholder 2"/>
-          <p:cNvSpPr>
-            <a:spLocks noGrp="1"/>
-          </p:cNvSpPr>
-          <p:nvPr>
-            <p:ph type="pic" idx="13" sz="quarter"/>
-          </p:nvPr>
-        </p:nvSpPr>
-        <p:spPr/>
-      </p:sp>
-      <p:sp>
-        <p:nvSpPr>
-          <p:cNvPr id="4" name="Text Placeholder 3"/>
-          <p:cNvSpPr>
-            <a:spLocks noGrp="1"/>
-          </p:cNvSpPr>
-          <p:nvPr>
-            <p:ph type="body" idx="14" sz="quarter"/>
-          </p:nvPr>
-        </p:nvSpPr>
-        <p:spPr/>
-        <p:txBody>
-          <a:bodyPr/>
-          <a:lstStyle/>
-          <a:p>
-            <a:pPr/>
-            <a:r>
-              <a:t>[ ] Gather cloud governance metrics and compliance data</a:t>
-            </a:r>
-          </a:p>
-          <a:p>
-            <a:pPr/>
-            <a:r>
-              <a:t>[ ] Collect business unit feedback on cloud foundation capabilities</a:t>
-            </a:r>
-          </a:p>
-          <a:p>
-            <a:pPr/>
-            <a:r>
-              <a:t>[ ] Prepare cloud cost analysis and ROI calculations</a:t>
-            </a:r>
-          </a:p>
-          <a:p>
-            <a:pPr/>
-            <a:r>
-              <a:t>[ ] Create visual Azure architecture and governance diagrams</a:t>
-            </a:r>
-          </a:p>
-          <a:p>
-            <a:pPr/>
-            <a:r>
-              <a:t>[ ] Practice presentation with live Azure portal demonstration</a:t>
-            </a:r>
-          </a:p>
-          <a:p>
-            <a:pPr/>
-            <a:r>
-              <a:t>[ ] Prepare for technical cloud architecture questions</a:t>
-            </a:r>
-          </a:p>
-          <a:p>
-            <a:pPr/>
-            <a:r>
-              <a:t>[ ] Coordinate with cloud team for technical Q&amp;A support</a:t>
-            </a:r>
-          </a:p>
-        </p:txBody>
-      </p:sp>
-    </p:spTree>
-  </p:cSld>
-  <p:clrMapOvr>
-    <a:masterClrMapping/>
-  </p:clrMapOvr>
-</p:sld>
-</file>
-
-<file path=ppt/slides/slide3.xml><?xml version="1.0" encoding="utf-8"?>
-<p:sld xmlns:a="http://schemas.openxmlformats.org/drawingml/2006/main" xmlns:p="http://schemas.openxmlformats.org/presentationml/2006/main" xmlns:r="http://schemas.openxmlformats.org/officeDocument/2006/relationships">
-  <p:cSld>
-    <p:spTree>
-      <p:nvGrpSpPr>
-        <p:cNvPr id="1" name=""/>
-        <p:cNvGrpSpPr/>
-        <p:nvPr/>
-      </p:nvGrpSpPr>
-      <p:grpSpPr/>
-      <p:sp>
-        <p:nvSpPr>
-          <p:cNvPr id="2" name="Text Placeholder 1"/>
-          <p:cNvSpPr>
-            <a:spLocks noGrp="1"/>
-          </p:cNvSpPr>
-          <p:nvPr>
-            <p:ph type="body" idx="10" sz="quarter"/>
-          </p:nvPr>
-        </p:nvSpPr>
-        <p:spPr/>
-        <p:txBody>
-          <a:bodyPr/>
-          <a:lstStyle/>
-          <a:p>
-            <a:r>
-              <a:t>**Slide 3: Project Charter Recap**</a:t>
-            </a:r>
-          </a:p>
-        </p:txBody>
-      </p:sp>
-      <p:sp>
-        <p:nvSpPr>
-          <p:cNvPr id="3" name="Picture Placeholder 2"/>
-          <p:cNvSpPr>
-            <a:spLocks noGrp="1"/>
-          </p:cNvSpPr>
-          <p:nvPr>
-            <p:ph type="pic" idx="13" sz="quarter"/>
-          </p:nvPr>
-        </p:nvSpPr>
-        <p:spPr/>
-      </p:sp>
-      <p:sp>
-        <p:nvSpPr>
-          <p:cNvPr id="4" name="Text Placeholder 3"/>
-          <p:cNvSpPr>
-            <a:spLocks noGrp="1"/>
-          </p:cNvSpPr>
-          <p:nvPr>
-            <p:ph type="body" idx="14" sz="quarter"/>
-          </p:nvPr>
-        </p:nvSpPr>
-        <p:spPr/>
-        <p:txBody>
-          <a:bodyPr/>
-          <a:lstStyle/>
-          <a:p>
-            <a:pPr/>
-            <a:r>
-              <a:rPr b="1"/>
-              <a:t>Original Business Problem:</a:t>
-            </a:r>
-            <a:r>
-              <a:t> Lack of standardized cloud governance and scalable Azure foundation</a:t>
-            </a:r>
-          </a:p>
-          <a:p>
-            <a:pPr/>
-            <a:r>
-              <a:rPr b="1"/>
-              <a:t>Project Objectives:</a:t>
-            </a:r>
-            <a:r>
-              <a:t> Implement enterprise-grade Azure Landing Zone with comprehensive governance</a:t>
-            </a:r>
-          </a:p>
-          <a:p>
-            <a:pPr/>
-            <a:r>
-              <a:rPr b="1"/>
-              <a:t>Success Criteria:</a:t>
-            </a:r>
-            <a:r>
-              <a:t> Establish secure, compliant, and scalable cloud foundation for all business units</a:t>
-            </a:r>
-          </a:p>
-          <a:p>
-            <a:pPr/>
-            <a:r>
-              <a:rPr b="1"/>
-              <a:t>Project Scope:</a:t>
-            </a:r>
-            <a:r>
-              <a:t> Azure Landing Zone architecture with governance, security, and compliance frameworks</a:t>
-            </a:r>
-          </a:p>
-          <a:p>
-            <a:pPr/>
-            <a:r>
-              <a:rPr b="1"/>
-              <a:t>Initial Timeline:</a:t>
-            </a:r>
-            <a:r>
-              <a:t> [Original vs. actual timeline for enterprise cloud foundation]</a:t>
-            </a:r>
-          </a:p>
-        </p:txBody>
-      </p:sp>
-    </p:spTree>
-  </p:cSld>
-  <p:clrMapOvr>
-    <a:masterClrMapping/>
-  </p:clrMapOvr>
-</p:sld>
-</file>
-
-<file path=ppt/slides/slide30.xml><?xml version="1.0" encoding="utf-8"?>
-<p:sld xmlns:a="http://schemas.openxmlformats.org/drawingml/2006/main" xmlns:p="http://schemas.openxmlformats.org/presentationml/2006/main" xmlns:r="http://schemas.openxmlformats.org/officeDocument/2006/relationships">
-  <p:cSld>
-    <p:spTree>
-      <p:nvGrpSpPr>
-        <p:cNvPr id="1" name=""/>
-        <p:cNvGrpSpPr/>
-        <p:nvPr/>
-      </p:nvGrpSpPr>
-      <p:grpSpPr/>
-      <p:sp>
-        <p:nvSpPr>
-          <p:cNvPr id="2" name="Text Placeholder 1"/>
-          <p:cNvSpPr>
-            <a:spLocks noGrp="1"/>
-          </p:cNvSpPr>
-          <p:nvPr>
-            <p:ph type="body" idx="10" sz="quarter"/>
-          </p:nvPr>
-        </p:nvSpPr>
-        <p:spPr/>
-        <p:txBody>
-          <a:bodyPr/>
-          <a:lstStyle/>
-          <a:p>
-            <a:r>
-              <a:t>**Cloud Presentation Best Practices**</a:t>
-            </a:r>
-          </a:p>
-        </p:txBody>
-      </p:sp>
-      <p:sp>
-        <p:nvSpPr>
-          <p:cNvPr id="3" name="Picture Placeholder 2"/>
-          <p:cNvSpPr>
-            <a:spLocks noGrp="1"/>
-          </p:cNvSpPr>
-          <p:nvPr>
-            <p:ph type="pic" idx="13" sz="quarter"/>
-          </p:nvPr>
-        </p:nvSpPr>
-        <p:spPr/>
-      </p:sp>
-      <p:sp>
-        <p:nvSpPr>
-          <p:cNvPr id="4" name="Text Placeholder 3"/>
-          <p:cNvSpPr>
-            <a:spLocks noGrp="1"/>
-          </p:cNvSpPr>
-          <p:nvPr>
-            <p:ph type="body" idx="14" sz="quarter"/>
-          </p:nvPr>
-        </p:nvSpPr>
-        <p:spPr/>
-        <p:txBody>
-          <a:bodyPr/>
-          <a:lstStyle/>
-          <a:p>
-            <a:pPr/>
-            <a:r>
-              <a:rPr b="1"/>
-              <a:t>Business Transformation Focus:</a:t>
-            </a:r>
-            <a:r>
-              <a:t> Lead with enterprise transformation through cloud</a:t>
-            </a:r>
-          </a:p>
-          <a:p>
-            <a:pPr/>
-            <a:r>
-              <a:rPr b="1"/>
-              <a:t>Governance Excellence:</a:t>
-            </a:r>
-            <a:r>
-              <a:t> Emphasize compliance, security, and cost optimization</a:t>
-            </a:r>
-          </a:p>
-          <a:p>
-            <a:pPr/>
-            <a:r>
-              <a:rPr b="1"/>
-              <a:t>Visual Architecture:</a:t>
-            </a:r>
-            <a:r>
-              <a:t> Include clear Azure Landing Zone architecture diagrams</a:t>
-            </a:r>
-          </a:p>
-          <a:p>
-            <a:pPr/>
-            <a:r>
-              <a:rPr b="1"/>
-              <a:t>Foundation Story:</a:t>
-            </a:r>
-            <a:r>
-              <a:t> Present as foundation for enterprise digital transformation</a:t>
-            </a:r>
-          </a:p>
-          <a:p>
-            <a:pPr/>
-            <a:r>
-              <a:rPr b="1"/>
-              <a:t>Future-Ready Emphasis:</a:t>
-            </a:r>
-            <a:r>
-              <a:t> Highlight scalability and innovation enablement</a:t>
-            </a:r>
-          </a:p>
-          <a:p>
-            <a:pPr/>
-            <a:r>
-              <a:rPr b="1"/>
-              <a:t>Strategic Vision:</a:t>
-            </a:r>
-            <a:r>
-              <a:t> End with enterprise cloud adoption roadmap</a:t>
-            </a:r>
-          </a:p>
-        </p:txBody>
-      </p:sp>
-    </p:spTree>
-  </p:cSld>
-  <p:clrMapOvr>
-    <a:masterClrMapping/>
-  </p:clrMapOvr>
-</p:sld>
-</file>
-
-<file path=ppt/slides/slide31.xml><?xml version="1.0" encoding="utf-8"?>
-<p:sld xmlns:a="http://schemas.openxmlformats.org/drawingml/2006/main" xmlns:p="http://schemas.openxmlformats.org/presentationml/2006/main" xmlns:r="http://schemas.openxmlformats.org/officeDocument/2006/relationships">
-  <p:cSld>
-    <p:spTree>
-      <p:nvGrpSpPr>
-        <p:cNvPr id="1" name=""/>
-        <p:cNvGrpSpPr/>
-        <p:nvPr/>
-      </p:nvGrpSpPr>
-      <p:grpSpPr/>
-      <p:sp>
-        <p:nvSpPr>
-          <p:cNvPr id="2" name="Text Placeholder 1"/>
-          <p:cNvSpPr>
-            <a:spLocks noGrp="1"/>
-          </p:cNvSpPr>
-          <p:nvPr>
-            <p:ph type="body" idx="10" sz="quarter"/>
-          </p:nvPr>
-        </p:nvSpPr>
-        <p:spPr/>
-        <p:txBody>
-          <a:bodyPr/>
-          <a:lstStyle/>
-          <a:p>
-            <a:r>
-              <a:t>**Audience Engagement for Cloud Foundation**</a:t>
-            </a:r>
-          </a:p>
-        </p:txBody>
-      </p:sp>
-      <p:sp>
-        <p:nvSpPr>
-          <p:cNvPr id="3" name="Picture Placeholder 2"/>
-          <p:cNvSpPr>
-            <a:spLocks noGrp="1"/>
-          </p:cNvSpPr>
-          <p:nvPr>
-            <p:ph type="pic" idx="13" sz="quarter"/>
-          </p:nvPr>
-        </p:nvSpPr>
-        <p:spPr/>
-      </p:sp>
-      <p:sp>
-        <p:nvSpPr>
-          <p:cNvPr id="4" name="Text Placeholder 3"/>
-          <p:cNvSpPr>
-            <a:spLocks noGrp="1"/>
-          </p:cNvSpPr>
-          <p:nvPr>
-            <p:ph type="body" idx="14" sz="quarter"/>
-          </p:nvPr>
-        </p:nvSpPr>
-        <p:spPr/>
-        <p:txBody>
-          <a:bodyPr/>
-          <a:lstStyle/>
-          <a:p>
-            <a:pPr/>
-            <a:r>
-              <a:rPr b="1"/>
-              <a:t>Live Azure Demo:</a:t>
-            </a:r>
-            <a:r>
-              <a:t> Show Azure portal with governance dashboards and policies</a:t>
-            </a:r>
-          </a:p>
-          <a:p>
-            <a:pPr/>
-            <a:r>
-              <a:rPr b="1"/>
-              <a:t>Compliance Dashboards:</a:t>
-            </a:r>
-            <a:r>
-              <a:t> Demonstrate real-time compliance and security monitoring</a:t>
-            </a:r>
-          </a:p>
-          <a:p>
-            <a:pPr/>
-            <a:r>
-              <a:rPr b="1"/>
-              <a:t>Cost Management:</a:t>
-            </a:r>
-            <a:r>
-              <a:t> Show cost optimization and budget management capabilities</a:t>
-            </a:r>
-          </a:p>
-          <a:p>
-            <a:pPr/>
-            <a:r>
-              <a:rPr b="1"/>
-              <a:t>Foundation Innovation:</a:t>
-            </a:r>
-            <a:r>
-              <a:t> Highlight enabling capabilities for business innovation</a:t>
-            </a:r>
-          </a:p>
-          <a:p>
-            <a:pPr/>
-            <a:r>
-              <a:rPr b="1"/>
-              <a:t>Clear Cloud Strategy:</a:t>
-            </a:r>
-            <a:r>
-              <a:t> Define next steps in enterprise cloud journey</a:t>
-            </a:r>
-          </a:p>
-        </p:txBody>
-      </p:sp>
-    </p:spTree>
-  </p:cSld>
-  <p:clrMapOvr>
-    <a:masterClrMapping/>
-  </p:clrMapOvr>
-</p:sld>
-</file>
-
-<file path=ppt/slides/slide32.xml><?xml version="1.0" encoding="utf-8"?>
-<p:sld xmlns:a="http://schemas.openxmlformats.org/drawingml/2006/main" xmlns:p="http://schemas.openxmlformats.org/presentationml/2006/main" xmlns:r="http://schemas.openxmlformats.org/officeDocument/2006/relationships">
-  <p:cSld>
-    <p:spTree>
-      <p:nvGrpSpPr>
-        <p:cNvPr id="1" name=""/>
-        <p:cNvGrpSpPr/>
-        <p:nvPr/>
-      </p:nvGrpSpPr>
-      <p:grpSpPr/>
-      <p:sp>
-        <p:nvSpPr>
-          <p:cNvPr id="2" name="Text Placeholder 1"/>
-          <p:cNvSpPr>
-            <a:spLocks noGrp="1"/>
-          </p:cNvSpPr>
-          <p:nvPr>
-            <p:ph type="body" idx="10" sz="quarter"/>
-          </p:nvPr>
-        </p:nvSpPr>
-        <p:spPr/>
-        <p:txBody>
-          <a:bodyPr/>
-          <a:lstStyle/>
-          <a:p>
-            <a:r>
-              <a:t>**Follow-Up Actions**</a:t>
-            </a:r>
-          </a:p>
-        </p:txBody>
-      </p:sp>
-      <p:sp>
-        <p:nvSpPr>
-          <p:cNvPr id="3" name="Picture Placeholder 2"/>
-          <p:cNvSpPr>
-            <a:spLocks noGrp="1"/>
-          </p:cNvSpPr>
-          <p:nvPr>
-            <p:ph type="pic" idx="13" sz="quarter"/>
-          </p:nvPr>
-        </p:nvSpPr>
-        <p:spPr/>
-      </p:sp>
-      <p:sp>
-        <p:nvSpPr>
-          <p:cNvPr id="4" name="Text Placeholder 3"/>
-          <p:cNvSpPr>
-            <a:spLocks noGrp="1"/>
-          </p:cNvSpPr>
-          <p:nvPr>
-            <p:ph type="body" idx="14" sz="quarter"/>
-          </p:nvPr>
-        </p:nvSpPr>
-        <p:spPr/>
-        <p:txBody>
-          <a:bodyPr/>
-          <a:lstStyle/>
-          <a:p>
-            <a:pPr/>
-            <a:r>
-              <a:t>[ ] Distribute cloud foundation presentation and architecture documentation</a:t>
-            </a:r>
-          </a:p>
-          <a:p>
-            <a:pPr/>
-            <a:r>
-              <a:t>[ ] Send Azure Landing Zone governance and compliance summary</a:t>
-            </a:r>
-          </a:p>
-          <a:p>
-            <a:pPr/>
-            <a:r>
-              <a:t>[ ] Schedule cloud operations transition and workload migration planning</a:t>
-            </a:r>
-          </a:p>
-          <a:p>
-            <a:pPr/>
-            <a:r>
-              <a:t>[ ] Document cloud transformation lessons learned</a:t>
-            </a:r>
-          </a:p>
-          <a:p>
-            <a:pPr/>
-            <a:r>
-              <a:t>[ ] Archive cloud foundation project documentation and templates</a:t>
-            </a:r>
-          </a:p>
-          <a:p>
-            <a:pPr/>
-            <a:r>
-              <a:t>[ ] Plan cloud transformation team celebration and recognition</a:t>
-            </a:r>
-          </a:p>
-        </p:txBody>
-      </p:sp>
-    </p:spTree>
-  </p:cSld>
-  <p:clrMapOvr>
-    <a:masterClrMapping/>
-  </p:clrMapOvr>
-</p:sld>
-</file>
-
-<file path=ppt/slides/slide33.xml><?xml version="1.0" encoding="utf-8"?>
-<p:sld xmlns:a="http://schemas.openxmlformats.org/drawingml/2006/main" xmlns:p="http://schemas.openxmlformats.org/presentationml/2006/main" xmlns:r="http://schemas.openxmlformats.org/officeDocument/2006/relationships">
-  <p:cSld>
-    <p:spTree>
-      <p:nvGrpSpPr>
-        <p:cNvPr id="1" name=""/>
-        <p:cNvGrpSpPr/>
-        <p:nvPr/>
-      </p:nvGrpSpPr>
-      <p:grpSpPr/>
-      <p:sp>
-        <p:nvSpPr>
-          <p:cNvPr id="2" name="Text Placeholder 1"/>
-          <p:cNvSpPr>
-            <a:spLocks noGrp="1"/>
-          </p:cNvSpPr>
-          <p:nvPr>
-            <p:ph type="body" idx="10" sz="quarter"/>
-          </p:nvPr>
-        </p:nvSpPr>
-        <p:spPr/>
-        <p:txBody>
-          <a:bodyPr/>
-          <a:lstStyle/>
-          <a:p>
-            <a:r>
-              <a:t>**A. Azure Cloud Foundation Dashboard**</a:t>
-            </a:r>
-          </a:p>
-        </p:txBody>
-      </p:sp>
-      <p:sp>
-        <p:nvSpPr>
-          <p:cNvPr id="3" name="Picture Placeholder 2"/>
-          <p:cNvSpPr>
-            <a:spLocks noGrp="1"/>
-          </p:cNvSpPr>
-          <p:nvPr>
-            <p:ph type="pic" idx="13" sz="quarter"/>
-          </p:nvPr>
-        </p:nvSpPr>
-        <p:spPr/>
-      </p:sp>
-      <p:sp>
-        <p:nvSpPr>
-          <p:cNvPr id="4" name="Text Placeholder 3"/>
-          <p:cNvSpPr>
-            <a:spLocks noGrp="1"/>
-          </p:cNvSpPr>
-          <p:nvPr>
-            <p:ph type="body" idx="14" sz="quarter"/>
-          </p:nvPr>
-        </p:nvSpPr>
-        <p:spPr/>
-        <p:txBody>
-          <a:bodyPr/>
-          <a:lstStyle/>
-          <a:p>
-            <a:pPr/>
-            <a:r>
-              <a:t>[Include detailed cloud governance and compliance metrics]</a:t>
-            </a:r>
-          </a:p>
-          <a:p>
-            <a:pPr/>
-            <a:r>
-              <a:t>[Cost optimization and budget performance trends]</a:t>
-            </a:r>
-          </a:p>
-          <a:p>
-            <a:pPr/>
-            <a:r>
-              <a:t>[Security posture and compliance statistics]</a:t>
-            </a:r>
-          </a:p>
-          <a:p>
-            <a:pPr/>
-            <a:r>
-              <a:t>[Resource utilization and deployment efficiency data]</a:t>
-            </a:r>
-          </a:p>
-        </p:txBody>
-      </p:sp>
-    </p:spTree>
-  </p:cSld>
-  <p:clrMapOvr>
-    <a:masterClrMapping/>
-  </p:clrMapOvr>
-</p:sld>
-</file>
-
-<file path=ppt/slides/slide34.xml><?xml version="1.0" encoding="utf-8"?>
-<p:sld xmlns:a="http://schemas.openxmlformats.org/drawingml/2006/main" xmlns:p="http://schemas.openxmlformats.org/presentationml/2006/main" xmlns:r="http://schemas.openxmlformats.org/officeDocument/2006/relationships">
-  <p:cSld>
-    <p:spTree>
-      <p:nvGrpSpPr>
-        <p:cNvPr id="1" name=""/>
-        <p:cNvGrpSpPr/>
-        <p:nvPr/>
-      </p:nvGrpSpPr>
-      <p:grpSpPr/>
-      <p:sp>
-        <p:nvSpPr>
-          <p:cNvPr id="2" name="Text Placeholder 1"/>
-          <p:cNvSpPr>
-            <a:spLocks noGrp="1"/>
-          </p:cNvSpPr>
-          <p:nvPr>
-            <p:ph type="body" idx="10" sz="quarter"/>
-          </p:nvPr>
-        </p:nvSpPr>
-        <p:spPr/>
-        <p:txBody>
-          <a:bodyPr/>
-          <a:lstStyle/>
-          <a:p>
-            <a:r>
-              <a:t>**B. Cloud Foundation Stakeholder Feedback**</a:t>
-            </a:r>
-          </a:p>
-        </p:txBody>
-      </p:sp>
-      <p:sp>
-        <p:nvSpPr>
-          <p:cNvPr id="3" name="Picture Placeholder 2"/>
-          <p:cNvSpPr>
-            <a:spLocks noGrp="1"/>
-          </p:cNvSpPr>
-          <p:nvPr>
-            <p:ph type="pic" idx="13" sz="quarter"/>
-          </p:nvPr>
-        </p:nvSpPr>
-        <p:spPr/>
-      </p:sp>
-      <p:sp>
-        <p:nvSpPr>
-          <p:cNvPr id="4" name="Text Placeholder 3"/>
-          <p:cNvSpPr>
-            <a:spLocks noGrp="1"/>
-          </p:cNvSpPr>
-          <p:nvPr>
-            <p:ph type="body" idx="14" sz="quarter"/>
-          </p:nvPr>
-        </p:nvSpPr>
-        <p:spPr/>
-        <p:txBody>
-          <a:bodyPr/>
-          <a:lstStyle/>
-          <a:p>
-            <a:pPr/>
-            <a:r>
-              <a:t>[Compiled feedback from business units and application teams]</a:t>
-            </a:r>
-          </a:p>
-          <a:p>
-            <a:pPr/>
-            <a:r>
-              <a:t>[Cloud governance satisfaction surveys]</a:t>
-            </a:r>
-          </a:p>
-          <a:p>
-            <a:pPr/>
-            <a:r>
-              <a:t>[Executive feedback on cloud transformation progress]</a:t>
-            </a:r>
-          </a:p>
-          <a:p>
-            <a:pPr/>
-            <a:r>
-              <a:t>[Suggestions for future cloud capabilities and enhancements]</a:t>
-            </a:r>
-          </a:p>
-        </p:txBody>
-      </p:sp>
-    </p:spTree>
-  </p:cSld>
-  <p:clrMapOvr>
-    <a:masterClrMapping/>
-  </p:clrMapOvr>
-</p:sld>
-</file>
-
-<file path=ppt/slides/slide35.xml><?xml version="1.0" encoding="utf-8"?>
-<p:sld xmlns:a="http://schemas.openxmlformats.org/drawingml/2006/main" xmlns:p="http://schemas.openxmlformats.org/presentationml/2006/main" xmlns:r="http://schemas.openxmlformats.org/officeDocument/2006/relationships">
-  <p:cSld>
-    <p:spTree>
-      <p:nvGrpSpPr>
-        <p:cNvPr id="1" name=""/>
-        <p:cNvGrpSpPr/>
-        <p:nvPr/>
-      </p:nvGrpSpPr>
-      <p:grpSpPr/>
-      <p:sp>
-        <p:nvSpPr>
-          <p:cNvPr id="2" name="Text Placeholder 1"/>
-          <p:cNvSpPr>
-            <a:spLocks noGrp="1"/>
-          </p:cNvSpPr>
-          <p:nvPr>
-            <p:ph type="body" idx="10" sz="quarter"/>
-          </p:nvPr>
-        </p:nvSpPr>
-        <p:spPr/>
-        <p:txBody>
-          <a:bodyPr/>
-          <a:lstStyle/>
-          <a:p>
-            <a:r>
-              <a:t>**C. Azure Landing Zone Artifacts**</a:t>
-            </a:r>
-          </a:p>
-        </p:txBody>
-      </p:sp>
-      <p:sp>
-        <p:nvSpPr>
-          <p:cNvPr id="3" name="Picture Placeholder 2"/>
-          <p:cNvSpPr>
-            <a:spLocks noGrp="1"/>
-          </p:cNvSpPr>
-          <p:nvPr>
-            <p:ph type="pic" idx="13" sz="quarter"/>
-          </p:nvPr>
-        </p:nvSpPr>
-        <p:spPr/>
-      </p:sp>
-      <p:sp>
-        <p:nvSpPr>
-          <p:cNvPr id="4" name="Text Placeholder 3"/>
-          <p:cNvSpPr>
-            <a:spLocks noGrp="1"/>
-          </p:cNvSpPr>
-          <p:nvPr>
-            <p:ph type="body" idx="14" sz="quarter"/>
-          </p:nvPr>
-        </p:nvSpPr>
-        <p:spPr/>
-        <p:txBody>
-          <a:bodyPr/>
-          <a:lstStyle/>
-          <a:p>
-            <a:pPr/>
-            <a:r>
-              <a:t>[List of all cloud foundation deliverables]</a:t>
-            </a:r>
-          </a:p>
-          <a:p>
-            <a:pPr/>
-            <a:r>
-              <a:t>[Infrastructure as Code templates and configuration]</a:t>
-            </a:r>
-          </a:p>
-          <a:p>
-            <a:pPr/>
-            <a:r>
-              <a:t>[Azure policy definitions and governance framework]</a:t>
-            </a:r>
-          </a:p>
-          <a:p>
-            <a:pPr/>
-            <a:r>
-              <a:t>[Network architecture and security configuration documentation]</a:t>
-            </a:r>
-          </a:p>
-        </p:txBody>
-      </p:sp>
-    </p:spTree>
-  </p:cSld>
-  <p:clrMapOvr>
-    <a:masterClrMapping/>
-  </p:clrMapOvr>
-</p:sld>
-</file>
-
-<file path=ppt/slides/slide36.xml><?xml version="1.0" encoding="utf-8"?>
-<p:sld xmlns:a="http://schemas.openxmlformats.org/drawingml/2006/main" xmlns:p="http://schemas.openxmlformats.org/presentationml/2006/main" xmlns:r="http://schemas.openxmlformats.org/officeDocument/2006/relationships">
-  <p:cSld>
-    <p:spTree>
-      <p:nvGrpSpPr>
-        <p:cNvPr id="1" name=""/>
-        <p:cNvGrpSpPr/>
-        <p:nvPr/>
-      </p:nvGrpSpPr>
-      <p:grpSpPr/>
-      <p:sp>
-        <p:nvSpPr>
-          <p:cNvPr id="2" name="Text Placeholder 1"/>
-          <p:cNvSpPr>
-            <a:spLocks noGrp="1"/>
-          </p:cNvSpPr>
-          <p:nvPr>
-            <p:ph type="body" idx="10" sz="quarter"/>
-          </p:nvPr>
-        </p:nvSpPr>
-        <p:spPr/>
-        <p:txBody>
-          <a:bodyPr/>
-          <a:lstStyle/>
-          <a:p>
-            <a:r>
-              <a:t>**D. Cloud Operations Transition Documentation**</a:t>
-            </a:r>
-          </a:p>
-        </p:txBody>
-      </p:sp>
-      <p:sp>
-        <p:nvSpPr>
-          <p:cNvPr id="3" name="Picture Placeholder 2"/>
-          <p:cNvSpPr>
-            <a:spLocks noGrp="1"/>
-          </p:cNvSpPr>
-          <p:nvPr>
-            <p:ph type="pic" idx="13" sz="quarter"/>
-          </p:nvPr>
-        </p:nvSpPr>
-        <p:spPr/>
-      </p:sp>
-      <p:sp>
-        <p:nvSpPr>
-          <p:cNvPr id="4" name="Text Placeholder 3"/>
-          <p:cNvSpPr>
-            <a:spLocks noGrp="1"/>
-          </p:cNvSpPr>
-          <p:nvPr>
-            <p:ph type="body" idx="14" sz="quarter"/>
-          </p:nvPr>
-        </p:nvSpPr>
-        <p:spPr/>
-        <p:txBody>
-          <a:bodyPr/>
-          <a:lstStyle/>
-          <a:p>
-            <a:pPr/>
-            <a:r>
-              <a:t>[Cloud operations handover checklist]</a:t>
-            </a:r>
-          </a:p>
-          <a:p>
-            <a:pPr/>
-            <a:r>
-              <a:t>[Azure support and escalation procedures]</a:t>
-            </a:r>
-          </a:p>
-          <a:p>
-            <a:pPr/>
-            <a:r>
-              <a:t>[Cloud governance monitoring and maintenance procedures]</a:t>
-            </a:r>
-          </a:p>
-          <a:p>
-            <a:pPr/>
-            <a:r>
-              <a:t>[Business unit onboarding and self-service procedures]</a:t>
-            </a:r>
-          </a:p>
-        </p:txBody>
-      </p:sp>
     </p:spTree>
   </p:cSld>
   <p:clrMapOvr>
@@ -7680,7 +4336,7 @@
             <a:pPr algn="l"/>
             <a:r>
               <a:rPr b="1"/>
-              <a:t>**Slide 4: Azure Landing Zone Scope Delivered**</a:t>
+              <a:t>**Slide 12: Business Value Delivered Through Cloud Foundation**</a:t>
             </a:r>
           </a:p>
         </p:txBody>
@@ -7736,7 +4392,7 @@
                             <a:srgbClr val="FFFFFF"/>
                           </a:solidFill>
                         </a:rPr>
-                        <a:t>Scope Element</a:t>
+                        <a:t>Benefit Category</a:t>
                       </a:r>
                     </a:p>
                   </a:txBody>
@@ -7757,7 +4413,7 @@
                             <a:srgbClr val="FFFFFF"/>
                           </a:solidFill>
                         </a:rPr>
-                        <a:t>Planned</a:t>
+                        <a:t>Target</a:t>
                       </a:r>
                     </a:p>
                   </a:txBody>
@@ -7778,7 +4434,7 @@
                             <a:srgbClr val="FFFFFF"/>
                           </a:solidFill>
                         </a:rPr>
-                        <a:t>Delivered</a:t>
+                        <a:t>Achieved</a:t>
                       </a:r>
                     </a:p>
                   </a:txBody>
@@ -7799,7 +4455,7 @@
                             <a:srgbClr val="FFFFFF"/>
                           </a:solidFill>
                         </a:rPr>
-                        <a:t>Status</a:t>
+                        <a:t>Measurement Method</a:t>
                       </a:r>
                     </a:p>
                   </a:txBody>
@@ -7820,7 +4476,7 @@
                             <a:srgbClr val="FFFFFF"/>
                           </a:solidFill>
                         </a:rPr>
-                        <a:t>Notes</a:t>
+                        <a:t>Timeline to Full Benefit</a:t>
                       </a:r>
                     </a:p>
                   </a:txBody>
@@ -7839,75 +4495,75 @@
                     <a:p>
                       <a:r>
                         <a:rPr sz="1100"/>
-                        <a:t>Management Group Hierarchy</a:t>
-                      </a:r>
-                    </a:p>
-                  </a:txBody>
-                  <a:tcPr>
-                    <a:solidFill>
-                      <a:srgbClr val="E7E6E6"/>
-                    </a:solidFill>
-                  </a:tcPr>
-                </a:tc>
-                <a:tc>
-                  <a:txBody>
-                    <a:bodyPr/>
-                    <a:lstStyle/>
-                    <a:p>
-                      <a:r>
-                        <a:rPr sz="1100"/>
-                        <a:t>Enterprise organizational structure</a:t>
-                      </a:r>
-                    </a:p>
-                  </a:txBody>
-                  <a:tcPr>
-                    <a:solidFill>
-                      <a:srgbClr val="E7E6E6"/>
-                    </a:solidFill>
-                  </a:tcPr>
-                </a:tc>
-                <a:tc>
-                  <a:txBody>
-                    <a:bodyPr/>
-                    <a:lstStyle/>
-                    <a:p>
-                      <a:r>
-                        <a:rPr sz="1100"/>
-                        <a:t>Complete hierarchy with 4 levels</a:t>
-                      </a:r>
-                    </a:p>
-                  </a:txBody>
-                  <a:tcPr>
-                    <a:solidFill>
-                      <a:srgbClr val="E7E6E6"/>
-                    </a:solidFill>
-                  </a:tcPr>
-                </a:tc>
-                <a:tc>
-                  <a:txBody>
-                    <a:bodyPr/>
-                    <a:lstStyle/>
-                    <a:p>
-                      <a:r>
-                        <a:rPr sz="1100"/>
-                        <a:t>✅ Complete</a:t>
-                      </a:r>
-                    </a:p>
-                  </a:txBody>
-                  <a:tcPr>
-                    <a:solidFill>
-                      <a:srgbClr val="E7E6E6"/>
-                    </a:solidFill>
-                  </a:tcPr>
-                </a:tc>
-                <a:tc>
-                  <a:txBody>
-                    <a:bodyPr/>
-                    <a:lstStyle/>
-                    <a:p>
-                      <a:r>
-                        <a:rPr sz="1100"/>
-                        <a:t>Supports 10+ business units</a:t>
+                        <a:t>Cloud Cost Optimization</a:t>
+                      </a:r>
+                    </a:p>
+                  </a:txBody>
+                  <a:tcPr>
+                    <a:solidFill>
+                      <a:srgbClr val="E7E6E6"/>
+                    </a:solidFill>
+                  </a:tcPr>
+                </a:tc>
+                <a:tc>
+                  <a:txBody>
+                    <a:bodyPr/>
+                    <a:lstStyle/>
+                    <a:p>
+                      <a:r>
+                        <a:rPr sz="1100"/>
+                        <a:t>30% cost reduction</a:t>
+                      </a:r>
+                    </a:p>
+                  </a:txBody>
+                  <a:tcPr>
+                    <a:solidFill>
+                      <a:srgbClr val="E7E6E6"/>
+                    </a:solidFill>
+                  </a:tcPr>
+                </a:tc>
+                <a:tc>
+                  <a:txBody>
+                    <a:bodyPr/>
+                    <a:lstStyle/>
+                    <a:p>
+                      <a:r>
+                        <a:rPr sz="1100"/>
+                        <a:t>40% actual reduction</a:t>
+                      </a:r>
+                    </a:p>
+                  </a:txBody>
+                  <a:tcPr>
+                    <a:solidFill>
+                      <a:srgbClr val="E7E6E6"/>
+                    </a:solidFill>
+                  </a:tcPr>
+                </a:tc>
+                <a:tc>
+                  <a:txBody>
+                    <a:bodyPr/>
+                    <a:lstStyle/>
+                    <a:p>
+                      <a:r>
+                        <a:rPr sz="1100"/>
+                        <a:t>Azure Cost Management analytics</a:t>
+                      </a:r>
+                    </a:p>
+                  </a:txBody>
+                  <a:tcPr>
+                    <a:solidFill>
+                      <a:srgbClr val="E7E6E6"/>
+                    </a:solidFill>
+                  </a:tcPr>
+                </a:tc>
+                <a:tc>
+                  <a:txBody>
+                    <a:bodyPr/>
+                    <a:lstStyle/>
+                    <a:p>
+                      <a:r>
+                        <a:rPr sz="1100"/>
+                        <a:t>3 months</a:t>
                       </a:r>
                     </a:p>
                   </a:txBody>
@@ -7926,75 +4582,75 @@
                     <a:p>
                       <a:r>
                         <a:rPr sz="1100"/>
-                        <a:t>Azure Policy Framework</a:t>
-                      </a:r>
-                    </a:p>
-                  </a:txBody>
-                  <a:tcPr>
-                    <a:solidFill>
-                      <a:srgbClr val="E7E6E6"/>
-                    </a:solidFill>
-                  </a:tcPr>
-                </a:tc>
-                <a:tc>
-                  <a:txBody>
-                    <a:bodyPr/>
-                    <a:lstStyle/>
-                    <a:p>
-                      <a:r>
-                        <a:rPr sz="1100"/>
-                        <a:t>Comprehensive governance policies</a:t>
-                      </a:r>
-                    </a:p>
-                  </a:txBody>
-                  <a:tcPr>
-                    <a:solidFill>
-                      <a:srgbClr val="E7E6E6"/>
-                    </a:solidFill>
-                  </a:tcPr>
-                </a:tc>
-                <a:tc>
-                  <a:txBody>
-                    <a:bodyPr/>
-                    <a:lstStyle/>
-                    <a:p>
-                      <a:r>
-                        <a:rPr sz="1100"/>
-                        <a:t>150+ policies deployed</a:t>
-                      </a:r>
-                    </a:p>
-                  </a:txBody>
-                  <a:tcPr>
-                    <a:solidFill>
-                      <a:srgbClr val="E7E6E6"/>
-                    </a:solidFill>
-                  </a:tcPr>
-                </a:tc>
-                <a:tc>
-                  <a:txBody>
-                    <a:bodyPr/>
-                    <a:lstStyle/>
-                    <a:p>
-                      <a:r>
-                        <a:rPr sz="1100"/>
-                        <a:t>✅ Complete</a:t>
-                      </a:r>
-                    </a:p>
-                  </a:txBody>
-                  <a:tcPr>
-                    <a:solidFill>
-                      <a:srgbClr val="E7E6E6"/>
-                    </a:solidFill>
-                  </a:tcPr>
-                </a:tc>
-                <a:tc>
-                  <a:txBody>
-                    <a:bodyPr/>
-                    <a:lstStyle/>
-                    <a:p>
-                      <a:r>
-                        <a:rPr sz="1100"/>
-                        <a:t>99.8% compliance achieved</a:t>
+                        <a:t>Deployment Speed</a:t>
+                      </a:r>
+                    </a:p>
+                  </a:txBody>
+                  <a:tcPr>
+                    <a:solidFill>
+                      <a:srgbClr val="E7E6E6"/>
+                    </a:solidFill>
+                  </a:tcPr>
+                </a:tc>
+                <a:tc>
+                  <a:txBody>
+                    <a:bodyPr/>
+                    <a:lstStyle/>
+                    <a:p>
+                      <a:r>
+                        <a:rPr sz="1100"/>
+                        <a:t>5x faster deployments</a:t>
+                      </a:r>
+                    </a:p>
+                  </a:txBody>
+                  <a:tcPr>
+                    <a:solidFill>
+                      <a:srgbClr val="E7E6E6"/>
+                    </a:solidFill>
+                  </a:tcPr>
+                </a:tc>
+                <a:tc>
+                  <a:txBody>
+                    <a:bodyPr/>
+                    <a:lstStyle/>
+                    <a:p>
+                      <a:r>
+                        <a:rPr sz="1100"/>
+                        <a:t>8x actual improvement</a:t>
+                      </a:r>
+                    </a:p>
+                  </a:txBody>
+                  <a:tcPr>
+                    <a:solidFill>
+                      <a:srgbClr val="E7E6E6"/>
+                    </a:solidFill>
+                  </a:tcPr>
+                </a:tc>
+                <a:tc>
+                  <a:txBody>
+                    <a:bodyPr/>
+                    <a:lstStyle/>
+                    <a:p>
+                      <a:r>
+                        <a:rPr sz="1100"/>
+                        <a:t>Time to deployment metrics</a:t>
+                      </a:r>
+                    </a:p>
+                  </a:txBody>
+                  <a:tcPr>
+                    <a:solidFill>
+                      <a:srgbClr val="E7E6E6"/>
+                    </a:solidFill>
+                  </a:tcPr>
+                </a:tc>
+                <a:tc>
+                  <a:txBody>
+                    <a:bodyPr/>
+                    <a:lstStyle/>
+                    <a:p>
+                      <a:r>
+                        <a:rPr sz="1100"/>
+                        <a:t>Immediate</a:t>
                       </a:r>
                     </a:p>
                   </a:txBody>
@@ -8013,75 +4669,75 @@
                     <a:p>
                       <a:r>
                         <a:rPr sz="1100"/>
-                        <a:t>Network Architecture</a:t>
-                      </a:r>
-                    </a:p>
-                  </a:txBody>
-                  <a:tcPr>
-                    <a:solidFill>
-                      <a:srgbClr val="E7E6E6"/>
-                    </a:solidFill>
-                  </a:tcPr>
-                </a:tc>
-                <a:tc>
-                  <a:txBody>
-                    <a:bodyPr/>
-                    <a:lstStyle/>
-                    <a:p>
-                      <a:r>
-                        <a:rPr sz="1100"/>
-                        <a:t>Hub-and-spoke with security</a:t>
-                      </a:r>
-                    </a:p>
-                  </a:txBody>
-                  <a:tcPr>
-                    <a:solidFill>
-                      <a:srgbClr val="E7E6E6"/>
-                    </a:solidFill>
-                  </a:tcPr>
-                </a:tc>
-                <a:tc>
-                  <a:txBody>
-                    <a:bodyPr/>
-                    <a:lstStyle/>
-                    <a:p>
-                      <a:r>
-                        <a:rPr sz="1100"/>
-                        <a:t>Secure network foundation</a:t>
-                      </a:r>
-                    </a:p>
-                  </a:txBody>
-                  <a:tcPr>
-                    <a:solidFill>
-                      <a:srgbClr val="E7E6E6"/>
-                    </a:solidFill>
-                  </a:tcPr>
-                </a:tc>
-                <a:tc>
-                  <a:txBody>
-                    <a:bodyPr/>
-                    <a:lstStyle/>
-                    <a:p>
-                      <a:r>
-                        <a:rPr sz="1100"/>
-                        <a:t>✅ Complete</a:t>
-                      </a:r>
-                    </a:p>
-                  </a:txBody>
-                  <a:tcPr>
-                    <a:solidFill>
-                      <a:srgbClr val="E7E6E6"/>
-                    </a:solidFill>
-                  </a:tcPr>
-                </a:tc>
-                <a:tc>
-                  <a:txBody>
-                    <a:bodyPr/>
-                    <a:lstStyle/>
-                    <a:p>
-                      <a:r>
-                        <a:rPr sz="1100"/>
-                        <a:t>Zero trust network principles</a:t>
+                        <a:t>Compliance Posture</a:t>
+                      </a:r>
+                    </a:p>
+                  </a:txBody>
+                  <a:tcPr>
+                    <a:solidFill>
+                      <a:srgbClr val="E7E6E6"/>
+                    </a:solidFill>
+                  </a:tcPr>
+                </a:tc>
+                <a:tc>
+                  <a:txBody>
+                    <a:bodyPr/>
+                    <a:lstStyle/>
+                    <a:p>
+                      <a:r>
+                        <a:rPr sz="1100"/>
+                        <a:t>95% compliance target</a:t>
+                      </a:r>
+                    </a:p>
+                  </a:txBody>
+                  <a:tcPr>
+                    <a:solidFill>
+                      <a:srgbClr val="E7E6E6"/>
+                    </a:solidFill>
+                  </a:tcPr>
+                </a:tc>
+                <a:tc>
+                  <a:txBody>
+                    <a:bodyPr/>
+                    <a:lstStyle/>
+                    <a:p>
+                      <a:r>
+                        <a:rPr sz="1100"/>
+                        <a:t>99.8% achieved</a:t>
+                      </a:r>
+                    </a:p>
+                  </a:txBody>
+                  <a:tcPr>
+                    <a:solidFill>
+                      <a:srgbClr val="E7E6E6"/>
+                    </a:solidFill>
+                  </a:tcPr>
+                </a:tc>
+                <a:tc>
+                  <a:txBody>
+                    <a:bodyPr/>
+                    <a:lstStyle/>
+                    <a:p>
+                      <a:r>
+                        <a:rPr sz="1100"/>
+                        <a:t>Azure Policy compliance reports</a:t>
+                      </a:r>
+                    </a:p>
+                  </a:txBody>
+                  <a:tcPr>
+                    <a:solidFill>
+                      <a:srgbClr val="E7E6E6"/>
+                    </a:solidFill>
+                  </a:tcPr>
+                </a:tc>
+                <a:tc>
+                  <a:txBody>
+                    <a:bodyPr/>
+                    <a:lstStyle/>
+                    <a:p>
+                      <a:r>
+                        <a:rPr sz="1100"/>
+                        <a:t>Immediate</a:t>
                       </a:r>
                     </a:p>
                   </a:txBody>
@@ -8100,7 +4756,7 @@
                     <a:p>
                       <a:r>
                         <a:rPr b="1" sz="1100"/>
-                        <a:t>Identity and Access Management</a:t>
+                        <a:t>Security Enhancement</a:t>
                       </a:r>
                     </a:p>
                   </a:txBody>
@@ -8117,7 +4773,7 @@
                     <a:p>
                       <a:r>
                         <a:rPr b="1" sz="1100"/>
-                        <a:t>Enterprise RBAC and PIM</a:t>
+                        <a:t>Zero critical findings</a:t>
                       </a:r>
                     </a:p>
                   </a:txBody>
@@ -8134,7 +4790,7 @@
                     <a:p>
                       <a:r>
                         <a:rPr b="1" sz="1100"/>
-                        <a:t>Complete IAM framework</a:t>
+                        <a:t>Target exceeded</a:t>
                       </a:r>
                     </a:p>
                   </a:txBody>
@@ -8151,7 +4807,7 @@
                     <a:p>
                       <a:r>
                         <a:rPr b="1" sz="1100"/>
-                        <a:t>✅ Complete</a:t>
+                        <a:t>Azure Security Center score</a:t>
                       </a:r>
                     </a:p>
                   </a:txBody>
@@ -8168,7 +4824,7 @@
                     <a:p>
                       <a:r>
                         <a:rPr b="1" sz="1100"/>
-                        <a:t>Integration with on-premises AD</a:t>
+                        <a:t>6 months</a:t>
                       </a:r>
                     </a:p>
                   </a:txBody>
@@ -8219,7 +4875,7 @@
             <a:pPr algn="l"/>
             <a:r>
               <a:rPr b="1"/>
-              <a:t>**Slide 5: Project Timeline Summary**</a:t>
+              <a:t>**Slide 17: Cloud Governance Challenges Overcome**</a:t>
             </a:r>
           </a:p>
         </p:txBody>
@@ -8236,18 +4892,332 @@
         </p:nvSpPr>
         <p:spPr/>
       </p:sp>
-      <p:sp>
-        <p:nvSpPr>
+      <p:graphicFrame>
+        <p:nvGraphicFramePr>
           <p:cNvPr id="4" name="Table Placeholder 3"/>
-          <p:cNvSpPr>
-            <a:spLocks noGrp="1"/>
-          </p:cNvSpPr>
+          <p:cNvGraphicFramePr>
+            <a:graphicFrameLocks noGrp="1"/>
+          </p:cNvGraphicFramePr>
           <p:nvPr>
             <p:ph type="tbl" idx="14" sz="quarter"/>
           </p:nvPr>
-        </p:nvSpPr>
-        <p:spPr/>
-      </p:sp>
+        </p:nvGraphicFramePr>
+        <p:xfrm>
+          <a:off x="256855" y="677011"/>
+          <a:ext cx="8710930" cy="1483360"/>
+        </p:xfrm>
+        <a:graphic>
+          <a:graphicData uri="http://schemas.openxmlformats.org/drawingml/2006/table">
+            <a:tbl>
+              <a:tblPr firstRow="1" bandRow="1">
+                <a:tableStyleId>{5C22544A-7EE6-4342-B048-85BDC9FD1C3A}</a:tableStyleId>
+              </a:tblPr>
+              <a:tblGrid>
+                <a:gridCol w="1045311"/>
+                <a:gridCol w="2177733"/>
+                <a:gridCol w="1045311"/>
+                <a:gridCol w="4442575"/>
+              </a:tblGrid>
+              <a:tr h="370840">
+                <a:tc>
+                  <a:txBody>
+                    <a:bodyPr/>
+                    <a:lstStyle/>
+                    <a:p>
+                      <a:r>
+                        <a:rPr b="1" sz="1400">
+                          <a:solidFill>
+                            <a:srgbClr val="FFFFFF"/>
+                          </a:solidFill>
+                        </a:rPr>
+                        <a:t>Challenge</a:t>
+                      </a:r>
+                    </a:p>
+                  </a:txBody>
+                  <a:tcPr>
+                    <a:solidFill>
+                      <a:srgbClr val="A01C02"/>
+                    </a:solidFill>
+                  </a:tcPr>
+                </a:tc>
+                <a:tc>
+                  <a:txBody>
+                    <a:bodyPr/>
+                    <a:lstStyle/>
+                    <a:p>
+                      <a:r>
+                        <a:rPr b="1" sz="1400">
+                          <a:solidFill>
+                            <a:srgbClr val="FFFFFF"/>
+                          </a:solidFill>
+                        </a:rPr>
+                        <a:t>Impact</a:t>
+                      </a:r>
+                    </a:p>
+                  </a:txBody>
+                  <a:tcPr>
+                    <a:solidFill>
+                      <a:srgbClr val="A01C02"/>
+                    </a:solidFill>
+                  </a:tcPr>
+                </a:tc>
+                <a:tc>
+                  <a:txBody>
+                    <a:bodyPr/>
+                    <a:lstStyle/>
+                    <a:p>
+                      <a:r>
+                        <a:rPr b="1" sz="1400">
+                          <a:solidFill>
+                            <a:srgbClr val="FFFFFF"/>
+                          </a:solidFill>
+                        </a:rPr>
+                        <a:t>Resolution</a:t>
+                      </a:r>
+                    </a:p>
+                  </a:txBody>
+                  <a:tcPr>
+                    <a:solidFill>
+                      <a:srgbClr val="A01C02"/>
+                    </a:solidFill>
+                  </a:tcPr>
+                </a:tc>
+                <a:tc>
+                  <a:txBody>
+                    <a:bodyPr/>
+                    <a:lstStyle/>
+                    <a:p>
+                      <a:r>
+                        <a:rPr b="1" sz="1400">
+                          <a:solidFill>
+                            <a:srgbClr val="FFFFFF"/>
+                          </a:solidFill>
+                        </a:rPr>
+                        <a:t>Prevention for Future</a:t>
+                      </a:r>
+                    </a:p>
+                  </a:txBody>
+                  <a:tcPr>
+                    <a:solidFill>
+                      <a:srgbClr val="A01C02"/>
+                    </a:solidFill>
+                  </a:tcPr>
+                </a:tc>
+              </a:tr>
+              <a:tr h="370840">
+                <a:tc>
+                  <a:txBody>
+                    <a:bodyPr/>
+                    <a:lstStyle/>
+                    <a:p>
+                      <a:r>
+                        <a:rPr sz="1100"/>
+                        <a:t>Complex Policy Dependencies</a:t>
+                      </a:r>
+                    </a:p>
+                  </a:txBody>
+                  <a:tcPr>
+                    <a:solidFill>
+                      <a:srgbClr val="E7E6E6"/>
+                    </a:solidFill>
+                  </a:tcPr>
+                </a:tc>
+                <a:tc>
+                  <a:txBody>
+                    <a:bodyPr/>
+                    <a:lstStyle/>
+                    <a:p>
+                      <a:r>
+                        <a:rPr sz="1100"/>
+                        <a:t>Initial policy conflicts</a:t>
+                      </a:r>
+                    </a:p>
+                  </a:txBody>
+                  <a:tcPr>
+                    <a:solidFill>
+                      <a:srgbClr val="E7E6E6"/>
+                    </a:solidFill>
+                  </a:tcPr>
+                </a:tc>
+                <a:tc>
+                  <a:txBody>
+                    <a:bodyPr/>
+                    <a:lstStyle/>
+                    <a:p>
+                      <a:r>
+                        <a:rPr sz="1100"/>
+                        <a:t>Comprehensive policy testing framework</a:t>
+                      </a:r>
+                    </a:p>
+                  </a:txBody>
+                  <a:tcPr>
+                    <a:solidFill>
+                      <a:srgbClr val="E7E6E6"/>
+                    </a:solidFill>
+                  </a:tcPr>
+                </a:tc>
+                <a:tc>
+                  <a:txBody>
+                    <a:bodyPr/>
+                    <a:lstStyle/>
+                    <a:p>
+                      <a:r>
+                        <a:rPr sz="1100"/>
+                        <a:t>Policy impact analysis process</a:t>
+                      </a:r>
+                    </a:p>
+                  </a:txBody>
+                  <a:tcPr>
+                    <a:solidFill>
+                      <a:srgbClr val="E7E6E6"/>
+                    </a:solidFill>
+                  </a:tcPr>
+                </a:tc>
+              </a:tr>
+              <a:tr h="370840">
+                <a:tc>
+                  <a:txBody>
+                    <a:bodyPr/>
+                    <a:lstStyle/>
+                    <a:p>
+                      <a:r>
+                        <a:rPr sz="1100"/>
+                        <a:t>Legacy System Integration</a:t>
+                      </a:r>
+                    </a:p>
+                  </a:txBody>
+                  <a:tcPr>
+                    <a:solidFill>
+                      <a:srgbClr val="E7E6E6"/>
+                    </a:solidFill>
+                  </a:tcPr>
+                </a:tc>
+                <a:tc>
+                  <a:txBody>
+                    <a:bodyPr/>
+                    <a:lstStyle/>
+                    <a:p>
+                      <a:r>
+                        <a:rPr sz="1100"/>
+                        <a:t>Hybrid connectivity complexity</a:t>
+                      </a:r>
+                    </a:p>
+                  </a:txBody>
+                  <a:tcPr>
+                    <a:solidFill>
+                      <a:srgbClr val="E7E6E6"/>
+                    </a:solidFill>
+                  </a:tcPr>
+                </a:tc>
+                <a:tc>
+                  <a:txBody>
+                    <a:bodyPr/>
+                    <a:lstStyle/>
+                    <a:p>
+                      <a:r>
+                        <a:rPr sz="1100"/>
+                        <a:t>Detailed network architecture and testing</a:t>
+                      </a:r>
+                    </a:p>
+                  </a:txBody>
+                  <a:tcPr>
+                    <a:solidFill>
+                      <a:srgbClr val="E7E6E6"/>
+                    </a:solidFill>
+                  </a:tcPr>
+                </a:tc>
+                <a:tc>
+                  <a:txBody>
+                    <a:bodyPr/>
+                    <a:lstStyle/>
+                    <a:p>
+                      <a:r>
+                        <a:rPr sz="1100"/>
+                        <a:t>Hybrid connectivity design standards</a:t>
+                      </a:r>
+                    </a:p>
+                  </a:txBody>
+                  <a:tcPr>
+                    <a:solidFill>
+                      <a:srgbClr val="E7E6E6"/>
+                    </a:solidFill>
+                  </a:tcPr>
+                </a:tc>
+              </a:tr>
+              <a:tr h="370840">
+                <a:tc>
+                  <a:txBody>
+                    <a:bodyPr/>
+                    <a:lstStyle/>
+                    <a:p>
+                      <a:r>
+                        <a:rPr b="1" sz="1100"/>
+                        <a:t>Change Management</a:t>
+                      </a:r>
+                    </a:p>
+                  </a:txBody>
+                  <a:tcPr>
+                    <a:solidFill>
+                      <a:srgbClr val="E7E6E6"/>
+                    </a:solidFill>
+                  </a:tcPr>
+                </a:tc>
+                <a:tc>
+                  <a:txBody>
+                    <a:bodyPr/>
+                    <a:lstStyle/>
+                    <a:p>
+                      <a:r>
+                        <a:rPr b="1" sz="1100"/>
+                        <a:t>Resistance to cloud governance</a:t>
+                      </a:r>
+                    </a:p>
+                  </a:txBody>
+                  <a:tcPr>
+                    <a:solidFill>
+                      <a:srgbClr val="E7E6E6"/>
+                    </a:solidFill>
+                  </a:tcPr>
+                </a:tc>
+                <a:tc>
+                  <a:txBody>
+                    <a:bodyPr/>
+                    <a:lstStyle/>
+                    <a:p>
+                      <a:r>
+                        <a:rPr b="1" sz="1100"/>
+                        <a:t>Comprehensive training and stakeholder engagement</a:t>
+                      </a:r>
+                    </a:p>
+                  </a:txBody>
+                  <a:tcPr>
+                    <a:solidFill>
+                      <a:srgbClr val="E7E6E6"/>
+                    </a:solidFill>
+                  </a:tcPr>
+                </a:tc>
+                <a:tc>
+                  <a:txBody>
+                    <a:bodyPr/>
+                    <a:lstStyle/>
+                    <a:p>
+                      <a:r>
+                        <a:rPr b="1" sz="1100"/>
+                        <a:t>Early engagement in cloud initiatives</a:t>
+                      </a:r>
+                    </a:p>
+                  </a:txBody>
+                  <a:tcPr>
+                    <a:solidFill>
+                      <a:srgbClr val="E7E6E6"/>
+                    </a:solidFill>
+                  </a:tcPr>
+                </a:tc>
+              </a:tr>
+            </a:tbl>
+          </a:graphicData>
+        </a:graphic>
+      </p:graphicFrame>
     </p:spTree>
   </p:cSld>
   <p:clrMapOvr>
@@ -8281,236 +5251,10 @@
           <a:bodyPr/>
           <a:lstStyle/>
           <a:p>
-            <a:r>
-              <a:t>**Slide 6: Budget and Resource Summary**</a:t>
-            </a:r>
-          </a:p>
-        </p:txBody>
-      </p:sp>
-      <p:sp>
-        <p:nvSpPr>
-          <p:cNvPr id="3" name="Picture Placeholder 2"/>
-          <p:cNvSpPr>
-            <a:spLocks noGrp="1"/>
-          </p:cNvSpPr>
-          <p:nvPr>
-            <p:ph type="pic" idx="13" sz="quarter"/>
-          </p:nvPr>
-        </p:nvSpPr>
-        <p:spPr/>
-      </p:sp>
-      <p:sp>
-        <p:nvSpPr>
-          <p:cNvPr id="4" name="Text Placeholder 3"/>
-          <p:cNvSpPr>
-            <a:spLocks noGrp="1"/>
-          </p:cNvSpPr>
-          <p:nvPr>
-            <p:ph type="body" idx="14" sz="quarter"/>
-          </p:nvPr>
-        </p:nvSpPr>
-        <p:spPr/>
-        <p:txBody>
-          <a:bodyPr/>
-          <a:lstStyle/>
-          <a:p>
-            <a:pPr/>
-            <a:r>
-              <a:rPr b="1"/>
-              <a:t>Total Project Budget:</a:t>
-            </a:r>
-            <a:r>
-              <a:t> [Approved budget including Azure services and consulting]</a:t>
-            </a:r>
-          </a:p>
-          <a:p>
-            <a:pPr/>
-            <a:r>
-              <a:rPr b="1"/>
-              <a:t>Actual Expenditure:</a:t>
-            </a:r>
-            <a:r>
-              <a:t> [Final cost including Azure consumption and professional services]</a:t>
-            </a:r>
-          </a:p>
-          <a:p>
-            <a:pPr/>
-            <a:r>
-              <a:rPr b="1"/>
-              <a:t>Budget Variance:</a:t>
-            </a:r>
-            <a:r>
-              <a:t> [Over/under budget with cloud service cost analysis]</a:t>
-            </a:r>
-          </a:p>
-          <a:p>
-            <a:pPr/>
-            <a:r>
-              <a:rPr b="1"/>
-              <a:t>Resource Utilization:</a:t>
-            </a:r>
-            <a:r>
-              <a:t> [Cloud architects and governance specialists effort]</a:t>
-            </a:r>
-          </a:p>
-          <a:p>
-            <a:pPr/>
-            <a:r>
-              <a:rPr b="1"/>
-              <a:t>Ongoing Azure Costs:</a:t>
-            </a:r>
-            <a:r>
-              <a:t> [Optimized Azure service costs with governance controls]</a:t>
-            </a:r>
-          </a:p>
-        </p:txBody>
-      </p:sp>
-    </p:spTree>
-  </p:cSld>
-  <p:clrMapOvr>
-    <a:masterClrMapping/>
-  </p:clrMapOvr>
-</p:sld>
-</file>
-
-<file path=ppt/slides/slide7.xml><?xml version="1.0" encoding="utf-8"?>
-<p:sld xmlns:a="http://schemas.openxmlformats.org/drawingml/2006/main" xmlns:p="http://schemas.openxmlformats.org/presentationml/2006/main" xmlns:r="http://schemas.openxmlformats.org/officeDocument/2006/relationships">
-  <p:cSld>
-    <p:spTree>
-      <p:nvGrpSpPr>
-        <p:cNvPr id="1" name=""/>
-        <p:cNvGrpSpPr/>
-        <p:nvPr/>
-      </p:nvGrpSpPr>
-      <p:grpSpPr/>
-      <p:sp>
-        <p:nvSpPr>
-          <p:cNvPr id="2" name="Text Placeholder 1"/>
-          <p:cNvSpPr>
-            <a:spLocks noGrp="1"/>
-          </p:cNvSpPr>
-          <p:nvPr>
-            <p:ph type="body" idx="10" sz="quarter"/>
-          </p:nvPr>
-        </p:nvSpPr>
-        <p:spPr/>
-        <p:txBody>
-          <a:bodyPr/>
-          <a:lstStyle/>
-          <a:p>
-            <a:r>
-              <a:t>**Slide 7: Solution Architecture Overview**</a:t>
-            </a:r>
-          </a:p>
-        </p:txBody>
-      </p:sp>
-      <p:sp>
-        <p:nvSpPr>
-          <p:cNvPr id="3" name="Picture Placeholder 2"/>
-          <p:cNvSpPr>
-            <a:spLocks noGrp="1"/>
-          </p:cNvSpPr>
-          <p:nvPr>
-            <p:ph type="pic" idx="14" sz="quarter"/>
-          </p:nvPr>
-        </p:nvSpPr>
-        <p:spPr/>
-      </p:sp>
-      <p:sp>
-        <p:nvSpPr>
-          <p:cNvPr id="4" name="Picture Placeholder 3"/>
-          <p:cNvSpPr>
-            <a:spLocks noGrp="1"/>
-          </p:cNvSpPr>
-          <p:nvPr>
-            <p:ph type="pic" idx="15" sz="quarter"/>
-          </p:nvPr>
-        </p:nvSpPr>
-        <p:spPr/>
-      </p:sp>
-      <p:sp>
-        <p:nvSpPr>
-          <p:cNvPr id="5" name="Text Placeholder 4"/>
-          <p:cNvSpPr>
-            <a:spLocks noGrp="1"/>
-          </p:cNvSpPr>
-          <p:nvPr>
-            <p:ph type="body" idx="16" sz="quarter"/>
-          </p:nvPr>
-        </p:nvSpPr>
-        <p:spPr/>
-        <p:txBody>
-          <a:bodyPr/>
-          <a:lstStyle/>
-          <a:p>
-            <a:pPr/>
-            <a:r>
-              <a:t>Azure Landing Zone reference architecture implementation</a:t>
-            </a:r>
-          </a:p>
-          <a:p>
-            <a:pPr/>
-            <a:r>
-              <a:t>Management group hierarchy and subscription organization</a:t>
-            </a:r>
-          </a:p>
-          <a:p>
-            <a:pPr/>
-            <a:r>
-              <a:t>Hub-and-spoke network topology with security perimeter</a:t>
-            </a:r>
-          </a:p>
-          <a:p>
-            <a:pPr/>
-            <a:r>
-              <a:t>Identity and access management with Azure AD integration</a:t>
-            </a:r>
-          </a:p>
-          <a:p>
-            <a:pPr/>
-            <a:r>
-              <a:t>Comprehensive monitoring and logging with Azure Monitor</a:t>
-            </a:r>
-          </a:p>
-        </p:txBody>
-      </p:sp>
-    </p:spTree>
-  </p:cSld>
-  <p:clrMapOvr>
-    <a:masterClrMapping/>
-  </p:clrMapOvr>
-</p:sld>
-</file>
-
-<file path=ppt/slides/slide8.xml><?xml version="1.0" encoding="utf-8"?>
-<p:sld xmlns:a="http://schemas.openxmlformats.org/drawingml/2006/main" xmlns:p="http://schemas.openxmlformats.org/presentationml/2006/main" xmlns:r="http://schemas.openxmlformats.org/officeDocument/2006/relationships">
-  <p:cSld>
-    <p:spTree>
-      <p:nvGrpSpPr>
-        <p:cNvPr id="1" name=""/>
-        <p:cNvGrpSpPr/>
-        <p:nvPr/>
-      </p:nvGrpSpPr>
-      <p:grpSpPr/>
-      <p:sp>
-        <p:nvSpPr>
-          <p:cNvPr id="2" name="Text Placeholder 1"/>
-          <p:cNvSpPr>
-            <a:spLocks noGrp="1"/>
-          </p:cNvSpPr>
-          <p:nvPr>
-            <p:ph type="body" idx="10" sz="quarter"/>
-          </p:nvPr>
-        </p:nvSpPr>
-        <p:spPr/>
-        <p:txBody>
-          <a:bodyPr/>
-          <a:lstStyle/>
-          <a:p>
             <a:pPr algn="l"/>
             <a:r>
               <a:rPr b="1"/>
-              <a:t>**Slide 8: Cloud Governance Features Delivered**</a:t>
+              <a:t>**Slide 21: Future Cloud Enhancement Opportunities**</a:t>
             </a:r>
           </a:p>
         </p:txBody>
@@ -8566,7 +5310,7 @@
                             <a:srgbClr val="FFFFFF"/>
                           </a:solidFill>
                         </a:rPr>
-                        <a:t>Feature</a:t>
+                        <a:t>Enhancement</a:t>
                       </a:r>
                     </a:p>
                   </a:txBody>
@@ -8608,7 +5352,7 @@
                             <a:srgbClr val="FFFFFF"/>
                           </a:solidFill>
                         </a:rPr>
-                        <a:t>Compliance Impact</a:t>
+                        <a:t>Complexity</a:t>
                       </a:r>
                     </a:p>
                   </a:txBody>
@@ -8629,7 +5373,7 @@
                             <a:srgbClr val="FFFFFF"/>
                           </a:solidFill>
                         </a:rPr>
-                        <a:t>Implementation Complexity</a:t>
+                        <a:t>Timeline</a:t>
                       </a:r>
                     </a:p>
                   </a:txBody>
@@ -8650,7 +5394,7 @@
                             <a:srgbClr val="FFFFFF"/>
                           </a:solidFill>
                         </a:rPr>
-                        <a:t>Status</a:t>
+                        <a:t>Priority</a:t>
                       </a:r>
                     </a:p>
                   </a:txBody>
@@ -8669,75 +5413,75 @@
                     <a:p>
                       <a:r>
                         <a:rPr sz="1100"/>
-                        <a:t>Azure Policy Framework</a:t>
-                      </a:r>
-                    </a:p>
-                  </a:txBody>
-                  <a:tcPr>
-                    <a:solidFill>
-                      <a:srgbClr val="E7E6E6"/>
-                    </a:solidFill>
-                  </a:tcPr>
-                </a:tc>
-                <a:tc>
-                  <a:txBody>
-                    <a:bodyPr/>
-                    <a:lstStyle/>
-                    <a:p>
-                      <a:r>
-                        <a:rPr sz="1100"/>
-                        <a:t>Automated compliance enforcement</a:t>
-                      </a:r>
-                    </a:p>
-                  </a:txBody>
-                  <a:tcPr>
-                    <a:solidFill>
-                      <a:srgbClr val="E7E6E6"/>
-                    </a:solidFill>
-                  </a:tcPr>
-                </a:tc>
-                <a:tc>
-                  <a:txBody>
-                    <a:bodyPr/>
-                    <a:lstStyle/>
-                    <a:p>
-                      <a:r>
-                        <a:rPr sz="1100"/>
-                        <a:t>99.8% policy compliance</a:t>
-                      </a:r>
-                    </a:p>
-                  </a:txBody>
-                  <a:tcPr>
-                    <a:solidFill>
-                      <a:srgbClr val="E7E6E6"/>
-                    </a:solidFill>
-                  </a:tcPr>
-                </a:tc>
-                <a:tc>
-                  <a:txBody>
-                    <a:bodyPr/>
-                    <a:lstStyle/>
-                    <a:p>
-                      <a:r>
-                        <a:rPr sz="1100"/>
-                        <a:t>High - Custom policy development</a:t>
-                      </a:r>
-                    </a:p>
-                  </a:txBody>
-                  <a:tcPr>
-                    <a:solidFill>
-                      <a:srgbClr val="E7E6E6"/>
-                    </a:solidFill>
-                  </a:tcPr>
-                </a:tc>
-                <a:tc>
-                  <a:txBody>
-                    <a:bodyPr/>
-                    <a:lstStyle/>
-                    <a:p>
-                      <a:r>
-                        <a:rPr sz="1100"/>
-                        <a:t>✅ Delivered</a:t>
+                        <a:t>Multi-Region Landing Zones</a:t>
+                      </a:r>
+                    </a:p>
+                  </a:txBody>
+                  <a:tcPr>
+                    <a:solidFill>
+                      <a:srgbClr val="E7E6E6"/>
+                    </a:solidFill>
+                  </a:tcPr>
+                </a:tc>
+                <a:tc>
+                  <a:txBody>
+                    <a:bodyPr/>
+                    <a:lstStyle/>
+                    <a:p>
+                      <a:r>
+                        <a:rPr sz="1100"/>
+                        <a:t>Global scalability and disaster recovery</a:t>
+                      </a:r>
+                    </a:p>
+                  </a:txBody>
+                  <a:tcPr>
+                    <a:solidFill>
+                      <a:srgbClr val="E7E6E6"/>
+                    </a:solidFill>
+                  </a:tcPr>
+                </a:tc>
+                <a:tc>
+                  <a:txBody>
+                    <a:bodyPr/>
+                    <a:lstStyle/>
+                    <a:p>
+                      <a:r>
+                        <a:rPr sz="1100"/>
+                        <a:t>High</a:t>
+                      </a:r>
+                    </a:p>
+                  </a:txBody>
+                  <a:tcPr>
+                    <a:solidFill>
+                      <a:srgbClr val="E7E6E6"/>
+                    </a:solidFill>
+                  </a:tcPr>
+                </a:tc>
+                <a:tc>
+                  <a:txBody>
+                    <a:bodyPr/>
+                    <a:lstStyle/>
+                    <a:p>
+                      <a:r>
+                        <a:rPr sz="1100"/>
+                        <a:t>6-12 months</a:t>
+                      </a:r>
+                    </a:p>
+                  </a:txBody>
+                  <a:tcPr>
+                    <a:solidFill>
+                      <a:srgbClr val="E7E6E6"/>
+                    </a:solidFill>
+                  </a:tcPr>
+                </a:tc>
+                <a:tc>
+                  <a:txBody>
+                    <a:bodyPr/>
+                    <a:lstStyle/>
+                    <a:p>
+                      <a:r>
+                        <a:rPr sz="1100"/>
+                        <a:t>High</a:t>
                       </a:r>
                     </a:p>
                   </a:txBody>
@@ -8756,75 +5500,75 @@
                     <a:p>
                       <a:r>
                         <a:rPr sz="1100"/>
-                        <a:t>Cost Management &amp; Billing</a:t>
-                      </a:r>
-                    </a:p>
-                  </a:txBody>
-                  <a:tcPr>
-                    <a:solidFill>
-                      <a:srgbClr val="E7E6E6"/>
-                    </a:solidFill>
-                  </a:tcPr>
-                </a:tc>
-                <a:tc>
-                  <a:txBody>
-                    <a:bodyPr/>
-                    <a:lstStyle/>
-                    <a:p>
-                      <a:r>
-                        <a:rPr sz="1100"/>
-                        <a:t>40% cost optimization</a:t>
-                      </a:r>
-                    </a:p>
-                  </a:txBody>
-                  <a:tcPr>
-                    <a:solidFill>
-                      <a:srgbClr val="E7E6E6"/>
-                    </a:solidFill>
-                  </a:tcPr>
-                </a:tc>
-                <a:tc>
-                  <a:txBody>
-                    <a:bodyPr/>
-                    <a:lstStyle/>
-                    <a:p>
-                      <a:r>
-                        <a:rPr sz="1100"/>
-                        <a:t>Budget controls and alerts</a:t>
-                      </a:r>
-                    </a:p>
-                  </a:txBody>
-                  <a:tcPr>
-                    <a:solidFill>
-                      <a:srgbClr val="E7E6E6"/>
-                    </a:solidFill>
-                  </a:tcPr>
-                </a:tc>
-                <a:tc>
-                  <a:txBody>
-                    <a:bodyPr/>
-                    <a:lstStyle/>
-                    <a:p>
-                      <a:r>
-                        <a:rPr sz="1100"/>
-                        <a:t>Medium - Multi-subscription setup</a:t>
-                      </a:r>
-                    </a:p>
-                  </a:txBody>
-                  <a:tcPr>
-                    <a:solidFill>
-                      <a:srgbClr val="E7E6E6"/>
-                    </a:solidFill>
-                  </a:tcPr>
-                </a:tc>
-                <a:tc>
-                  <a:txBody>
-                    <a:bodyPr/>
-                    <a:lstStyle/>
-                    <a:p>
-                      <a:r>
-                        <a:rPr sz="1100"/>
-                        <a:t>✅ Delivered</a:t>
+                        <a:t>Azure DevOps Integration</a:t>
+                      </a:r>
+                    </a:p>
+                  </a:txBody>
+                  <a:tcPr>
+                    <a:solidFill>
+                      <a:srgbClr val="E7E6E6"/>
+                    </a:solidFill>
+                  </a:tcPr>
+                </a:tc>
+                <a:tc>
+                  <a:txBody>
+                    <a:bodyPr/>
+                    <a:lstStyle/>
+                    <a:p>
+                      <a:r>
+                        <a:rPr sz="1100"/>
+                        <a:t>Automated CI/CD with governance</a:t>
+                      </a:r>
+                    </a:p>
+                  </a:txBody>
+                  <a:tcPr>
+                    <a:solidFill>
+                      <a:srgbClr val="E7E6E6"/>
+                    </a:solidFill>
+                  </a:tcPr>
+                </a:tc>
+                <a:tc>
+                  <a:txBody>
+                    <a:bodyPr/>
+                    <a:lstStyle/>
+                    <a:p>
+                      <a:r>
+                        <a:rPr sz="1100"/>
+                        <a:t>Medium</a:t>
+                      </a:r>
+                    </a:p>
+                  </a:txBody>
+                  <a:tcPr>
+                    <a:solidFill>
+                      <a:srgbClr val="E7E6E6"/>
+                    </a:solidFill>
+                  </a:tcPr>
+                </a:tc>
+                <a:tc>
+                  <a:txBody>
+                    <a:bodyPr/>
+                    <a:lstStyle/>
+                    <a:p>
+                      <a:r>
+                        <a:rPr sz="1100"/>
+                        <a:t>3-6 months</a:t>
+                      </a:r>
+                    </a:p>
+                  </a:txBody>
+                  <a:tcPr>
+                    <a:solidFill>
+                      <a:srgbClr val="E7E6E6"/>
+                    </a:solidFill>
+                  </a:tcPr>
+                </a:tc>
+                <a:tc>
+                  <a:txBody>
+                    <a:bodyPr/>
+                    <a:lstStyle/>
+                    <a:p>
+                      <a:r>
+                        <a:rPr sz="1100"/>
+                        <a:t>High</a:t>
                       </a:r>
                     </a:p>
                   </a:txBody>
@@ -8843,75 +5587,75 @@
                     <a:p>
                       <a:r>
                         <a:rPr sz="1100"/>
-                        <a:t>Resource Tagging Strategy</a:t>
-                      </a:r>
-                    </a:p>
-                  </a:txBody>
-                  <a:tcPr>
-                    <a:solidFill>
-                      <a:srgbClr val="E7E6E6"/>
-                    </a:solidFill>
-                  </a:tcPr>
-                </a:tc>
-                <a:tc>
-                  <a:txBody>
-                    <a:bodyPr/>
-                    <a:lstStyle/>
-                    <a:p>
-                      <a:r>
-                        <a:rPr sz="1100"/>
-                        <a:t>Complete resource governance</a:t>
-                      </a:r>
-                    </a:p>
-                  </a:txBody>
-                  <a:tcPr>
-                    <a:solidFill>
-                      <a:srgbClr val="E7E6E6"/>
-                    </a:solidFill>
-                  </a:tcPr>
-                </a:tc>
-                <a:tc>
-                  <a:txBody>
-                    <a:bodyPr/>
-                    <a:lstStyle/>
-                    <a:p>
-                      <a:r>
-                        <a:rPr sz="1100"/>
-                        <a:t>100% resource visibility</a:t>
-                      </a:r>
-                    </a:p>
-                  </a:txBody>
-                  <a:tcPr>
-                    <a:solidFill>
-                      <a:srgbClr val="E7E6E6"/>
-                    </a:solidFill>
-                  </a:tcPr>
-                </a:tc>
-                <a:tc>
-                  <a:txBody>
-                    <a:bodyPr/>
-                    <a:lstStyle/>
-                    <a:p>
-                      <a:r>
-                        <a:rPr sz="1100"/>
-                        <a:t>Medium - Automated tagging</a:t>
-                      </a:r>
-                    </a:p>
-                  </a:txBody>
-                  <a:tcPr>
-                    <a:solidFill>
-                      <a:srgbClr val="E7E6E6"/>
-                    </a:solidFill>
-                  </a:tcPr>
-                </a:tc>
-                <a:tc>
-                  <a:txBody>
-                    <a:bodyPr/>
-                    <a:lstStyle/>
-                    <a:p>
-                      <a:r>
-                        <a:rPr sz="1100"/>
-                        <a:t>✅ Delivered</a:t>
+                        <a:t>Advanced Analytics Platform</a:t>
+                      </a:r>
+                    </a:p>
+                  </a:txBody>
+                  <a:tcPr>
+                    <a:solidFill>
+                      <a:srgbClr val="E7E6E6"/>
+                    </a:solidFill>
+                  </a:tcPr>
+                </a:tc>
+                <a:tc>
+                  <a:txBody>
+                    <a:bodyPr/>
+                    <a:lstStyle/>
+                    <a:p>
+                      <a:r>
+                        <a:rPr sz="1100"/>
+                        <a:t>Data-driven insights and AI capabilities</a:t>
+                      </a:r>
+                    </a:p>
+                  </a:txBody>
+                  <a:tcPr>
+                    <a:solidFill>
+                      <a:srgbClr val="E7E6E6"/>
+                    </a:solidFill>
+                  </a:tcPr>
+                </a:tc>
+                <a:tc>
+                  <a:txBody>
+                    <a:bodyPr/>
+                    <a:lstStyle/>
+                    <a:p>
+                      <a:r>
+                        <a:rPr sz="1100"/>
+                        <a:t>High</a:t>
+                      </a:r>
+                    </a:p>
+                  </a:txBody>
+                  <a:tcPr>
+                    <a:solidFill>
+                      <a:srgbClr val="E7E6E6"/>
+                    </a:solidFill>
+                  </a:tcPr>
+                </a:tc>
+                <a:tc>
+                  <a:txBody>
+                    <a:bodyPr/>
+                    <a:lstStyle/>
+                    <a:p>
+                      <a:r>
+                        <a:rPr sz="1100"/>
+                        <a:t>9-15 months</a:t>
+                      </a:r>
+                    </a:p>
+                  </a:txBody>
+                  <a:tcPr>
+                    <a:solidFill>
+                      <a:srgbClr val="E7E6E6"/>
+                    </a:solidFill>
+                  </a:tcPr>
+                </a:tc>
+                <a:tc>
+                  <a:txBody>
+                    <a:bodyPr/>
+                    <a:lstStyle/>
+                    <a:p>
+                      <a:r>
+                        <a:rPr sz="1100"/>
+                        <a:t>Medium</a:t>
                       </a:r>
                     </a:p>
                   </a:txBody>
@@ -8930,7 +5674,7 @@
                     <a:p>
                       <a:r>
                         <a:rPr b="1" sz="1100"/>
-                        <a:t>Security Center Integration</a:t>
+                        <a:t>Edge Computing Integration</a:t>
                       </a:r>
                     </a:p>
                   </a:txBody>
@@ -8947,7 +5691,7 @@
                     <a:p>
                       <a:r>
                         <a:rPr b="1" sz="1100"/>
-                        <a:t>Centralized security management</a:t>
+                        <a:t>IoT and edge workload support</a:t>
                       </a:r>
                     </a:p>
                   </a:txBody>
@@ -8964,7 +5708,7 @@
                     <a:p>
                       <a:r>
                         <a:rPr b="1" sz="1100"/>
-                        <a:t>Enhanced security posture</a:t>
+                        <a:t>Medium</a:t>
                       </a:r>
                     </a:p>
                   </a:txBody>
@@ -8981,7 +5725,7 @@
                     <a:p>
                       <a:r>
                         <a:rPr b="1" sz="1100"/>
-                        <a:t>Medium - Cross-subscription security</a:t>
+                        <a:t>6-9 months</a:t>
                       </a:r>
                     </a:p>
                   </a:txBody>
@@ -8998,7 +5742,7 @@
                     <a:p>
                       <a:r>
                         <a:rPr b="1" sz="1100"/>
-                        <a:t>✅ Delivered</a:t>
+                        <a:t>Medium</a:t>
                       </a:r>
                     </a:p>
                   </a:txBody>
@@ -9013,86 +5757,6 @@
           </a:graphicData>
         </a:graphic>
       </p:graphicFrame>
-    </p:spTree>
-  </p:cSld>
-  <p:clrMapOvr>
-    <a:masterClrMapping/>
-  </p:clrMapOvr>
-</p:sld>
-</file>
-
-<file path=ppt/slides/slide9.xml><?xml version="1.0" encoding="utf-8"?>
-<p:sld xmlns:a="http://schemas.openxmlformats.org/drawingml/2006/main" xmlns:p="http://schemas.openxmlformats.org/presentationml/2006/main" xmlns:r="http://schemas.openxmlformats.org/officeDocument/2006/relationships">
-  <p:cSld>
-    <p:spTree>
-      <p:nvGrpSpPr>
-        <p:cNvPr id="1" name=""/>
-        <p:cNvGrpSpPr/>
-        <p:nvPr/>
-      </p:nvGrpSpPr>
-      <p:grpSpPr/>
-      <p:sp>
-        <p:nvSpPr>
-          <p:cNvPr id="2" name="Text Placeholder 1"/>
-          <p:cNvSpPr>
-            <a:spLocks noGrp="1"/>
-          </p:cNvSpPr>
-          <p:nvPr>
-            <p:ph type="body" idx="10" sz="quarter"/>
-          </p:nvPr>
-        </p:nvSpPr>
-        <p:spPr/>
-        <p:txBody>
-          <a:bodyPr/>
-          <a:lstStyle/>
-          <a:p>
-            <a:r>
-              <a:t>**Slide 9: Cloud Foundation Performance Metrics**</a:t>
-            </a:r>
-          </a:p>
-        </p:txBody>
-      </p:sp>
-      <p:sp>
-        <p:nvSpPr>
-          <p:cNvPr id="3" name="Picture Placeholder 2"/>
-          <p:cNvSpPr>
-            <a:spLocks noGrp="1"/>
-          </p:cNvSpPr>
-          <p:nvPr>
-            <p:ph type="pic" idx="14" sz="quarter"/>
-          </p:nvPr>
-        </p:nvSpPr>
-        <p:spPr/>
-      </p:sp>
-      <p:sp>
-        <p:nvSpPr>
-          <p:cNvPr id="4" name="Chart Placeholder 3"/>
-          <p:cNvSpPr>
-            <a:spLocks noGrp="1"/>
-          </p:cNvSpPr>
-          <p:nvPr>
-            <p:ph type="chart" idx="15" sz="quarter"/>
-          </p:nvPr>
-        </p:nvSpPr>
-        <p:spPr/>
-      </p:sp>
-      <p:sp>
-        <p:nvSpPr>
-          <p:cNvPr id="5" name="Content Placeholder 4"/>
-          <p:cNvSpPr>
-            <a:spLocks noGrp="1"/>
-          </p:cNvSpPr>
-          <p:nvPr>
-            <p:ph idx="16" sz="quarter"/>
-          </p:nvPr>
-        </p:nvSpPr>
-        <p:spPr/>
-        <p:txBody>
-          <a:bodyPr/>
-          <a:lstStyle/>
-          <a:p/>
-        </p:txBody>
-      </p:sp>
     </p:spTree>
   </p:cSld>
   <p:clrMapOvr>
